--- a/templates/reference.pptx
+++ b/templates/reference.pptx
@@ -1,17 +1,14 @@
 
 <file path=ppt/presentation.xml><?xml version="1.0" encoding="utf-8"?>
-<p:presentation xmlns:a="http://schemas.openxmlformats.org/drawingml/2006/main" xmlns:r="http://schemas.openxmlformats.org/officeDocument/2006/relationships" xmlns:p="http://schemas.openxmlformats.org/presentationml/2006/main" saveSubsetFonts="1" autoCompressPictures="0">
+<p:presentation xmlns:a="http://schemas.openxmlformats.org/drawingml/2006/main" xmlns:r="http://schemas.openxmlformats.org/officeDocument/2006/relationships" xmlns:p="http://schemas.openxmlformats.org/presentationml/2006/main" saveSubsetFonts="1">
   <p:sldMasterIdLst>
     <p:sldMasterId id="2147483648" r:id="rId1"/>
   </p:sldMasterIdLst>
-  <p:notesMasterIdLst>
-    <p:notesMasterId r:id="rId2"/>
-  </p:notesMasterIdLst>
+  <p:sldIdLst>
+    <p:sldId id="256" r:id="rId2"/>
+  </p:sldIdLst>
   <p:sldSz cx="12192000" cy="6858000"/>
-  <p:notesSz cx="7315200" cy="9601200"/>
-  <p:custDataLst>
-    <p:tags r:id="rId3"/>
-  </p:custDataLst>
+  <p:notesSz cx="6858000" cy="9144000"/>
   <p:defaultTextStyle>
     <a:defPPr>
       <a:defRPr lang="en-US"/>
@@ -107,361 +104,7 @@
       </a:defRPr>
     </a:lvl9pPr>
   </p:defaultTextStyle>
-  <p:extLst>
-    <p:ext uri="{EFAFB233-063F-42B5-8137-9DF3F51BA10A}">
-      <p15:sldGuideLst xmlns:p15="http://schemas.microsoft.com/office/powerpoint/2012/main"/>
-    </p:ext>
-  </p:extLst>
 </p:presentation>
-</file>
-
-<file path=ppt/notesMasters/notesMaster1.xml><?xml version="1.0" encoding="utf-8"?>
-<p:notesMaster xmlns:a="http://schemas.openxmlformats.org/drawingml/2006/main" xmlns:r="http://schemas.openxmlformats.org/officeDocument/2006/relationships" xmlns:p="http://schemas.openxmlformats.org/presentationml/2006/main">
-  <p:cSld>
-    <p:bg>
-      <p:bgRef idx="1001">
-        <a:schemeClr val="bg1"/>
-      </p:bgRef>
-    </p:bg>
-    <p:spTree>
-      <p:nvGrpSpPr>
-        <p:cNvPr id="1" name=""/>
-        <p:cNvGrpSpPr/>
-        <p:nvPr/>
-      </p:nvGrpSpPr>
-      <p:grpSpPr>
-        <a:xfrm>
-          <a:off x="0" y="0"/>
-          <a:ext cx="0" cy="0"/>
-          <a:chOff x="0" y="0"/>
-          <a:chExt cx="0" cy="0"/>
-        </a:xfrm>
-      </p:grpSpPr>
-      <p:sp>
-        <p:nvSpPr>
-          <p:cNvPr id="2" name="Header Placeholder 1"/>
-          <p:cNvSpPr>
-            <a:spLocks noGrp="1"/>
-          </p:cNvSpPr>
-          <p:nvPr>
-            <p:ph type="hdr" sz="quarter"/>
-          </p:nvPr>
-        </p:nvSpPr>
-        <p:spPr>
-          <a:xfrm>
-            <a:off x="0" y="0"/>
-            <a:ext cx="3169920" cy="481727"/>
-          </a:xfrm>
-          <a:prstGeom prst="rect">
-            <a:avLst/>
-          </a:prstGeom>
-        </p:spPr>
-        <p:txBody>
-          <a:bodyPr vert="horz" lIns="96653" tIns="48327" rIns="96653" bIns="48327" rtlCol="0"/>
-          <a:lstStyle>
-            <a:lvl1pPr algn="l">
-              <a:defRPr sz="1200"/>
-            </a:lvl1pPr>
-          </a:lstStyle>
-          <a:p>
-            <a:endParaRPr lang="en-US"/>
-          </a:p>
-        </p:txBody>
-      </p:sp>
-      <p:sp>
-        <p:nvSpPr>
-          <p:cNvPr id="3" name="Date Placeholder 2"/>
-          <p:cNvSpPr>
-            <a:spLocks noGrp="1"/>
-          </p:cNvSpPr>
-          <p:nvPr>
-            <p:ph type="dt" idx="1"/>
-          </p:nvPr>
-        </p:nvSpPr>
-        <p:spPr>
-          <a:xfrm>
-            <a:off x="4143587" y="0"/>
-            <a:ext cx="3169920" cy="481727"/>
-          </a:xfrm>
-          <a:prstGeom prst="rect">
-            <a:avLst/>
-          </a:prstGeom>
-        </p:spPr>
-        <p:txBody>
-          <a:bodyPr vert="horz" lIns="96653" tIns="48327" rIns="96653" bIns="48327" rtlCol="0"/>
-          <a:lstStyle>
-            <a:lvl1pPr algn="r">
-              <a:defRPr sz="1200"/>
-            </a:lvl1pPr>
-          </a:lstStyle>
-          <a:p>
-            <a:fld id="{4DCFABB7-74F9-284B-A945-242C6B9E6EDD}" type="datetimeFigureOut">
-              <a:rPr lang="en-US" smtClean="0"/>
-              <a:t>2/8/2026</a:t>
-            </a:fld>
-            <a:endParaRPr lang="en-US"/>
-          </a:p>
-        </p:txBody>
-      </p:sp>
-      <p:sp>
-        <p:nvSpPr>
-          <p:cNvPr id="4" name="Slide Image Placeholder 3"/>
-          <p:cNvSpPr>
-            <a:spLocks noGrp="1" noRot="1" noChangeAspect="1"/>
-          </p:cNvSpPr>
-          <p:nvPr>
-            <p:ph type="sldImg" idx="2"/>
-          </p:nvPr>
-        </p:nvSpPr>
-        <p:spPr>
-          <a:xfrm>
-            <a:off x="777875" y="1200150"/>
-            <a:ext cx="5759450" cy="3240088"/>
-          </a:xfrm>
-          <a:prstGeom prst="rect">
-            <a:avLst/>
-          </a:prstGeom>
-          <a:noFill/>
-          <a:ln w="12700">
-            <a:solidFill>
-              <a:prstClr val="black"/>
-            </a:solidFill>
-          </a:ln>
-        </p:spPr>
-        <p:txBody>
-          <a:bodyPr vert="horz" lIns="96653" tIns="48327" rIns="96653" bIns="48327" rtlCol="0" anchor="ctr"/>
-          <a:lstStyle/>
-          <a:p>
-            <a:endParaRPr lang="en-US"/>
-          </a:p>
-        </p:txBody>
-      </p:sp>
-      <p:sp>
-        <p:nvSpPr>
-          <p:cNvPr id="5" name="Notes Placeholder 4"/>
-          <p:cNvSpPr>
-            <a:spLocks noGrp="1"/>
-          </p:cNvSpPr>
-          <p:nvPr>
-            <p:ph type="body" sz="quarter" idx="3"/>
-          </p:nvPr>
-        </p:nvSpPr>
-        <p:spPr>
-          <a:xfrm>
-            <a:off x="731520" y="4620577"/>
-            <a:ext cx="5852160" cy="3780473"/>
-          </a:xfrm>
-          <a:prstGeom prst="rect">
-            <a:avLst/>
-          </a:prstGeom>
-        </p:spPr>
-        <p:txBody>
-          <a:bodyPr vert="horz" lIns="96653" tIns="48327" rIns="96653" bIns="48327" rtlCol="0"/>
-          <a:lstStyle/>
-          <a:p>
-            <a:pPr lvl="0"/>
-            <a:r>
-              <a:rPr lang="en-US"/>
-              <a:t>Click to edit Master text styles</a:t>
-            </a:r>
-          </a:p>
-          <a:p>
-            <a:pPr lvl="1"/>
-            <a:r>
-              <a:rPr lang="en-US"/>
-              <a:t>Second level</a:t>
-            </a:r>
-          </a:p>
-          <a:p>
-            <a:pPr lvl="2"/>
-            <a:r>
-              <a:rPr lang="en-US"/>
-              <a:t>Third level</a:t>
-            </a:r>
-          </a:p>
-          <a:p>
-            <a:pPr lvl="3"/>
-            <a:r>
-              <a:rPr lang="en-US"/>
-              <a:t>Fourth level</a:t>
-            </a:r>
-          </a:p>
-          <a:p>
-            <a:pPr lvl="4"/>
-            <a:r>
-              <a:rPr lang="en-US"/>
-              <a:t>Fifth level</a:t>
-            </a:r>
-          </a:p>
-        </p:txBody>
-      </p:sp>
-      <p:sp>
-        <p:nvSpPr>
-          <p:cNvPr id="6" name="Footer Placeholder 5"/>
-          <p:cNvSpPr>
-            <a:spLocks noGrp="1"/>
-          </p:cNvSpPr>
-          <p:nvPr>
-            <p:ph type="ftr" sz="quarter" idx="4"/>
-          </p:nvPr>
-        </p:nvSpPr>
-        <p:spPr>
-          <a:xfrm>
-            <a:off x="0" y="9119475"/>
-            <a:ext cx="3169920" cy="481726"/>
-          </a:xfrm>
-          <a:prstGeom prst="rect">
-            <a:avLst/>
-          </a:prstGeom>
-        </p:spPr>
-        <p:txBody>
-          <a:bodyPr vert="horz" lIns="96653" tIns="48327" rIns="96653" bIns="48327" rtlCol="0" anchor="b"/>
-          <a:lstStyle>
-            <a:lvl1pPr algn="l">
-              <a:defRPr sz="1200"/>
-            </a:lvl1pPr>
-          </a:lstStyle>
-          <a:p>
-            <a:endParaRPr lang="en-US"/>
-          </a:p>
-        </p:txBody>
-      </p:sp>
-      <p:sp>
-        <p:nvSpPr>
-          <p:cNvPr id="7" name="Slide Number Placeholder 6"/>
-          <p:cNvSpPr>
-            <a:spLocks noGrp="1"/>
-          </p:cNvSpPr>
-          <p:nvPr>
-            <p:ph type="sldNum" sz="quarter" idx="5"/>
-          </p:nvPr>
-        </p:nvSpPr>
-        <p:spPr>
-          <a:xfrm>
-            <a:off x="4143587" y="9119475"/>
-            <a:ext cx="3169920" cy="481726"/>
-          </a:xfrm>
-          <a:prstGeom prst="rect">
-            <a:avLst/>
-          </a:prstGeom>
-        </p:spPr>
-        <p:txBody>
-          <a:bodyPr vert="horz" lIns="96653" tIns="48327" rIns="96653" bIns="48327" rtlCol="0" anchor="b"/>
-          <a:lstStyle>
-            <a:lvl1pPr algn="r">
-              <a:defRPr sz="1200"/>
-            </a:lvl1pPr>
-          </a:lstStyle>
-          <a:p>
-            <a:fld id="{8A4609AD-A854-3F49-BC10-8C1FD631C556}" type="slidenum">
-              <a:rPr lang="en-US" smtClean="0"/>
-              <a:t>‹#›</a:t>
-            </a:fld>
-            <a:endParaRPr lang="en-US"/>
-          </a:p>
-        </p:txBody>
-      </p:sp>
-    </p:spTree>
-    <p:extLst>
-      <p:ext uri="{BB962C8B-B14F-4D97-AF65-F5344CB8AC3E}">
-        <p14:creationId xmlns:p14="http://schemas.microsoft.com/office/powerpoint/2010/main" val="1599939961"/>
-      </p:ext>
-    </p:extLst>
-  </p:cSld>
-  <p:clrMap bg1="lt1" tx1="dk1" bg2="lt2" tx2="dk2" accent1="accent1" accent2="accent2" accent3="accent3" accent4="accent4" accent5="accent5" accent6="accent6" hlink="hlink" folHlink="folHlink"/>
-  <p:notesStyle>
-    <a:lvl1pPr marL="0" algn="l" defTabSz="914400" rtl="0" eaLnBrk="1" latinLnBrk="0" hangingPunct="1">
-      <a:defRPr sz="1200" kern="1200">
-        <a:solidFill>
-          <a:schemeClr val="tx1"/>
-        </a:solidFill>
-        <a:latin typeface="+mn-lt"/>
-        <a:ea typeface="+mn-ea"/>
-        <a:cs typeface="+mn-cs"/>
-      </a:defRPr>
-    </a:lvl1pPr>
-    <a:lvl2pPr marL="457200" algn="l" defTabSz="914400" rtl="0" eaLnBrk="1" latinLnBrk="0" hangingPunct="1">
-      <a:defRPr sz="1200" kern="1200">
-        <a:solidFill>
-          <a:schemeClr val="tx1"/>
-        </a:solidFill>
-        <a:latin typeface="+mn-lt"/>
-        <a:ea typeface="+mn-ea"/>
-        <a:cs typeface="+mn-cs"/>
-      </a:defRPr>
-    </a:lvl2pPr>
-    <a:lvl3pPr marL="914400" algn="l" defTabSz="914400" rtl="0" eaLnBrk="1" latinLnBrk="0" hangingPunct="1">
-      <a:defRPr sz="1200" kern="1200">
-        <a:solidFill>
-          <a:schemeClr val="tx1"/>
-        </a:solidFill>
-        <a:latin typeface="+mn-lt"/>
-        <a:ea typeface="+mn-ea"/>
-        <a:cs typeface="+mn-cs"/>
-      </a:defRPr>
-    </a:lvl3pPr>
-    <a:lvl4pPr marL="1371600" algn="l" defTabSz="914400" rtl="0" eaLnBrk="1" latinLnBrk="0" hangingPunct="1">
-      <a:defRPr sz="1200" kern="1200">
-        <a:solidFill>
-          <a:schemeClr val="tx1"/>
-        </a:solidFill>
-        <a:latin typeface="+mn-lt"/>
-        <a:ea typeface="+mn-ea"/>
-        <a:cs typeface="+mn-cs"/>
-      </a:defRPr>
-    </a:lvl4pPr>
-    <a:lvl5pPr marL="1828800" algn="l" defTabSz="914400" rtl="0" eaLnBrk="1" latinLnBrk="0" hangingPunct="1">
-      <a:defRPr sz="1200" kern="1200">
-        <a:solidFill>
-          <a:schemeClr val="tx1"/>
-        </a:solidFill>
-        <a:latin typeface="+mn-lt"/>
-        <a:ea typeface="+mn-ea"/>
-        <a:cs typeface="+mn-cs"/>
-      </a:defRPr>
-    </a:lvl5pPr>
-    <a:lvl6pPr marL="2286000" algn="l" defTabSz="914400" rtl="0" eaLnBrk="1" latinLnBrk="0" hangingPunct="1">
-      <a:defRPr sz="1200" kern="1200">
-        <a:solidFill>
-          <a:schemeClr val="tx1"/>
-        </a:solidFill>
-        <a:latin typeface="+mn-lt"/>
-        <a:ea typeface="+mn-ea"/>
-        <a:cs typeface="+mn-cs"/>
-      </a:defRPr>
-    </a:lvl6pPr>
-    <a:lvl7pPr marL="2743200" algn="l" defTabSz="914400" rtl="0" eaLnBrk="1" latinLnBrk="0" hangingPunct="1">
-      <a:defRPr sz="1200" kern="1200">
-        <a:solidFill>
-          <a:schemeClr val="tx1"/>
-        </a:solidFill>
-        <a:latin typeface="+mn-lt"/>
-        <a:ea typeface="+mn-ea"/>
-        <a:cs typeface="+mn-cs"/>
-      </a:defRPr>
-    </a:lvl7pPr>
-    <a:lvl8pPr marL="3200400" algn="l" defTabSz="914400" rtl="0" eaLnBrk="1" latinLnBrk="0" hangingPunct="1">
-      <a:defRPr sz="1200" kern="1200">
-        <a:solidFill>
-          <a:schemeClr val="tx1"/>
-        </a:solidFill>
-        <a:latin typeface="+mn-lt"/>
-        <a:ea typeface="+mn-ea"/>
-        <a:cs typeface="+mn-cs"/>
-      </a:defRPr>
-    </a:lvl8pPr>
-    <a:lvl9pPr marL="3657600" algn="l" defTabSz="914400" rtl="0" eaLnBrk="1" latinLnBrk="0" hangingPunct="1">
-      <a:defRPr sz="1200" kern="1200">
-        <a:solidFill>
-          <a:schemeClr val="tx1"/>
-        </a:solidFill>
-        <a:latin typeface="+mn-lt"/>
-        <a:ea typeface="+mn-ea"/>
-        <a:cs typeface="+mn-cs"/>
-      </a:defRPr>
-    </a:lvl9pPr>
-  </p:notesStyle>
-</p:notesMaster>
 </file>
 
 <file path=ppt/slideLayouts/slideLayout1.xml><?xml version="1.0" encoding="utf-8"?>
@@ -483,7 +126,13 @@
       </p:grpSpPr>
       <p:sp>
         <p:nvSpPr>
-          <p:cNvPr id="2" name="Title 1"/>
+          <p:cNvPr id="2" name="Title 1">
+            <a:extLst>
+              <a:ext uri="{FF2B5EF4-FFF2-40B4-BE49-F238E27FC236}">
+                <a16:creationId xmlns:a16="http://schemas.microsoft.com/office/drawing/2014/main" id="{A7C43DF0-5979-9842-8FFC-D0E7B1F13E25}"/>
+              </a:ext>
+            </a:extLst>
+          </p:cNvPr>
           <p:cNvSpPr>
             <a:spLocks noGrp="1"/>
           </p:cNvSpPr>
@@ -493,9 +142,12 @@
         </p:nvSpPr>
         <p:spPr>
           <a:xfrm>
-            <a:off x="1524000" y="1728787"/>
-            <a:ext cx="9144000" cy="1781175"/>
-          </a:xfrm>
+            <a:off x="1524000" y="1122363"/>
+            <a:ext cx="9144000" cy="2387600"/>
+          </a:xfrm>
+          <a:prstGeom prst="rect">
+            <a:avLst/>
+          </a:prstGeom>
         </p:spPr>
         <p:txBody>
           <a:bodyPr anchor="b"/>
@@ -514,7 +166,13 @@
       </p:sp>
       <p:sp>
         <p:nvSpPr>
-          <p:cNvPr id="3" name="Subtitle 2"/>
+          <p:cNvPr id="3" name="Subtitle 2">
+            <a:extLst>
+              <a:ext uri="{FF2B5EF4-FFF2-40B4-BE49-F238E27FC236}">
+                <a16:creationId xmlns:a16="http://schemas.microsoft.com/office/drawing/2014/main" id="{DF328EEE-939B-70A3-B5A4-96324B00732A}"/>
+              </a:ext>
+            </a:extLst>
+          </p:cNvPr>
           <p:cNvSpPr>
             <a:spLocks noGrp="1"/>
           </p:cNvSpPr>
@@ -527,6 +185,9 @@
             <a:off x="1524000" y="3602038"/>
             <a:ext cx="9144000" cy="1655762"/>
           </a:xfrm>
+          <a:prstGeom prst="rect">
+            <a:avLst/>
+          </a:prstGeom>
         </p:spPr>
         <p:txBody>
           <a:bodyPr/>
@@ -578,7 +239,13 @@
       </p:sp>
       <p:sp>
         <p:nvSpPr>
-          <p:cNvPr id="4" name="Date Placeholder 3"/>
+          <p:cNvPr id="4" name="Date Placeholder 3">
+            <a:extLst>
+              <a:ext uri="{FF2B5EF4-FFF2-40B4-BE49-F238E27FC236}">
+                <a16:creationId xmlns:a16="http://schemas.microsoft.com/office/drawing/2014/main" id="{E5FCDBFC-82DE-1DF1-996A-D17D95A93AD3}"/>
+              </a:ext>
+            </a:extLst>
+          </p:cNvPr>
           <p:cNvSpPr>
             <a:spLocks noGrp="1"/>
           </p:cNvSpPr>
@@ -586,12 +253,20 @@
             <p:ph type="dt" sz="half" idx="10"/>
           </p:nvPr>
         </p:nvSpPr>
-        <p:spPr/>
+        <p:spPr>
+          <a:xfrm>
+            <a:off x="838200" y="6356350"/>
+            <a:ext cx="2743200" cy="365125"/>
+          </a:xfrm>
+          <a:prstGeom prst="rect">
+            <a:avLst/>
+          </a:prstGeom>
+        </p:spPr>
         <p:txBody>
           <a:bodyPr/>
           <a:lstStyle/>
           <a:p>
-            <a:fld id="{479851BC-F170-4E4B-8200-C04C1C7E299C}" type="datetimeFigureOut">
+            <a:fld id="{D612C0A6-AE28-4A59-9BC4-C12CBE3FED92}" type="datetimeFigureOut">
               <a:rPr lang="en-US" smtClean="0"/>
               <a:t>2/8/2026</a:t>
             </a:fld>
@@ -601,7 +276,13 @@
       </p:sp>
       <p:sp>
         <p:nvSpPr>
-          <p:cNvPr id="5" name="Footer Placeholder 4"/>
+          <p:cNvPr id="5" name="Footer Placeholder 4">
+            <a:extLst>
+              <a:ext uri="{FF2B5EF4-FFF2-40B4-BE49-F238E27FC236}">
+                <a16:creationId xmlns:a16="http://schemas.microsoft.com/office/drawing/2014/main" id="{8598F351-C71C-8971-533E-090BCC2FBE44}"/>
+              </a:ext>
+            </a:extLst>
+          </p:cNvPr>
           <p:cNvSpPr>
             <a:spLocks noGrp="1"/>
           </p:cNvSpPr>
@@ -609,7 +290,15 @@
             <p:ph type="ftr" sz="quarter" idx="11"/>
           </p:nvPr>
         </p:nvSpPr>
-        <p:spPr/>
+        <p:spPr>
+          <a:xfrm>
+            <a:off x="4038600" y="6356350"/>
+            <a:ext cx="4114800" cy="365125"/>
+          </a:xfrm>
+          <a:prstGeom prst="rect">
+            <a:avLst/>
+          </a:prstGeom>
+        </p:spPr>
         <p:txBody>
           <a:bodyPr/>
           <a:lstStyle/>
@@ -620,7 +309,13 @@
       </p:sp>
       <p:sp>
         <p:nvSpPr>
-          <p:cNvPr id="6" name="Slide Number Placeholder 5"/>
+          <p:cNvPr id="6" name="Slide Number Placeholder 5">
+            <a:extLst>
+              <a:ext uri="{FF2B5EF4-FFF2-40B4-BE49-F238E27FC236}">
+                <a16:creationId xmlns:a16="http://schemas.microsoft.com/office/drawing/2014/main" id="{733F548D-F9C6-1866-8B53-38FABAC0B845}"/>
+              </a:ext>
+            </a:extLst>
+          </p:cNvPr>
           <p:cNvSpPr>
             <a:spLocks noGrp="1"/>
           </p:cNvSpPr>
@@ -628,12 +323,20 @@
             <p:ph type="sldNum" sz="quarter" idx="12"/>
           </p:nvPr>
         </p:nvSpPr>
-        <p:spPr/>
+        <p:spPr>
+          <a:xfrm>
+            <a:off x="8610600" y="6356350"/>
+            <a:ext cx="2743200" cy="365125"/>
+          </a:xfrm>
+          <a:prstGeom prst="rect">
+            <a:avLst/>
+          </a:prstGeom>
+        </p:spPr>
         <p:txBody>
           <a:bodyPr/>
           <a:lstStyle/>
           <a:p>
-            <a:fld id="{67D6BF1C-62BE-7D4B-8F59-44B118A75BEC}" type="slidenum">
+            <a:fld id="{877CC90F-7A03-4989-BA44-835A99DB98F5}" type="slidenum">
               <a:rPr lang="en-US" smtClean="0"/>
               <a:t>‹#›</a:t>
             </a:fld>
@@ -644,7 +347,7 @@
     </p:spTree>
     <p:extLst>
       <p:ext uri="{BB962C8B-B14F-4D97-AF65-F5344CB8AC3E}">
-        <p14:creationId xmlns:p14="http://schemas.microsoft.com/office/powerpoint/2010/main" val="1648076708"/>
+        <p14:creationId xmlns:p14="http://schemas.microsoft.com/office/powerpoint/2010/main" val="3265622753"/>
       </p:ext>
     </p:extLst>
   </p:cSld>
@@ -655,7 +358,7 @@
 </file>
 
 <file path=ppt/slideLayouts/slideLayout2.xml><?xml version="1.0" encoding="utf-8"?>
-<p:sldLayout xmlns:a="http://schemas.openxmlformats.org/drawingml/2006/main" xmlns:r="http://schemas.openxmlformats.org/officeDocument/2006/relationships" xmlns:p="http://schemas.openxmlformats.org/presentationml/2006/main" type="obj" preserve="1">
+<p:sldLayout xmlns:a="http://schemas.openxmlformats.org/drawingml/2006/main" xmlns:r="http://schemas.openxmlformats.org/officeDocument/2006/relationships" xmlns:p="http://schemas.openxmlformats.org/presentationml/2006/main" preserve="1" userDrawn="1">
   <p:cSld name="Title and Content">
     <p:spTree>
       <p:nvGrpSpPr>
@@ -673,7 +376,13 @@
       </p:grpSpPr>
       <p:sp>
         <p:nvSpPr>
-          <p:cNvPr id="2" name="Title 1"/>
+          <p:cNvPr id="11" name="Title 1">
+            <a:extLst>
+              <a:ext uri="{FF2B5EF4-FFF2-40B4-BE49-F238E27FC236}">
+                <a16:creationId xmlns:a16="http://schemas.microsoft.com/office/drawing/2014/main" id="{CCC5C5A8-351D-049D-7A1D-DC469EC3760B}"/>
+              </a:ext>
+            </a:extLst>
+          </p:cNvPr>
           <p:cNvSpPr>
             <a:spLocks noGrp="1"/>
           </p:cNvSpPr>
@@ -681,7 +390,12 @@
             <p:ph type="title"/>
           </p:nvPr>
         </p:nvSpPr>
-        <p:spPr/>
+        <p:spPr>
+          <a:xfrm>
+            <a:off x="856264" y="1184792"/>
+            <a:ext cx="10515600" cy="679940"/>
+          </a:xfrm>
+        </p:spPr>
         <p:txBody>
           <a:bodyPr/>
           <a:lstStyle/>
@@ -695,7 +409,13 @@
       </p:sp>
       <p:sp>
         <p:nvSpPr>
-          <p:cNvPr id="3" name="Content Placeholder 2"/>
+          <p:cNvPr id="12" name="Content Placeholder 2">
+            <a:extLst>
+              <a:ext uri="{FF2B5EF4-FFF2-40B4-BE49-F238E27FC236}">
+                <a16:creationId xmlns:a16="http://schemas.microsoft.com/office/drawing/2014/main" id="{DDCF0D0C-722C-3AFA-2045-F2AE6951F143}"/>
+              </a:ext>
+            </a:extLst>
+          </p:cNvPr>
           <p:cNvSpPr>
             <a:spLocks noGrp="1"/>
           </p:cNvSpPr>
@@ -703,7 +423,12 @@
             <p:ph idx="1"/>
           </p:nvPr>
         </p:nvSpPr>
-        <p:spPr/>
+        <p:spPr>
+          <a:xfrm>
+            <a:off x="838200" y="1994799"/>
+            <a:ext cx="10515600" cy="4005263"/>
+          </a:xfrm>
+        </p:spPr>
         <p:txBody>
           <a:bodyPr/>
           <a:lstStyle/>
@@ -746,7 +471,13 @@
       </p:sp>
       <p:sp>
         <p:nvSpPr>
-          <p:cNvPr id="4" name="Date Placeholder 3"/>
+          <p:cNvPr id="13" name="Date Placeholder 3">
+            <a:extLst>
+              <a:ext uri="{FF2B5EF4-FFF2-40B4-BE49-F238E27FC236}">
+                <a16:creationId xmlns:a16="http://schemas.microsoft.com/office/drawing/2014/main" id="{10F13A68-3475-3100-7E41-B9A576A99020}"/>
+              </a:ext>
+            </a:extLst>
+          </p:cNvPr>
           <p:cNvSpPr>
             <a:spLocks noGrp="1"/>
           </p:cNvSpPr>
@@ -754,7 +485,12 @@
             <p:ph type="dt" sz="half" idx="10"/>
           </p:nvPr>
         </p:nvSpPr>
-        <p:spPr/>
+        <p:spPr>
+          <a:xfrm>
+            <a:off x="838200" y="6356350"/>
+            <a:ext cx="2743200" cy="365125"/>
+          </a:xfrm>
+        </p:spPr>
         <p:txBody>
           <a:bodyPr/>
           <a:lstStyle/>
@@ -769,7 +505,13 @@
       </p:sp>
       <p:sp>
         <p:nvSpPr>
-          <p:cNvPr id="5" name="Footer Placeholder 4"/>
+          <p:cNvPr id="14" name="Footer Placeholder 4">
+            <a:extLst>
+              <a:ext uri="{FF2B5EF4-FFF2-40B4-BE49-F238E27FC236}">
+                <a16:creationId xmlns:a16="http://schemas.microsoft.com/office/drawing/2014/main" id="{D4151D3C-2594-79F1-28D5-915FB8A695EF}"/>
+              </a:ext>
+            </a:extLst>
+          </p:cNvPr>
           <p:cNvSpPr>
             <a:spLocks noGrp="1"/>
           </p:cNvSpPr>
@@ -777,7 +519,12 @@
             <p:ph type="ftr" sz="quarter" idx="11"/>
           </p:nvPr>
         </p:nvSpPr>
-        <p:spPr/>
+        <p:spPr>
+          <a:xfrm>
+            <a:off x="4038600" y="6356350"/>
+            <a:ext cx="4114800" cy="365125"/>
+          </a:xfrm>
+        </p:spPr>
         <p:txBody>
           <a:bodyPr/>
           <a:lstStyle/>
@@ -788,7 +535,13 @@
       </p:sp>
       <p:sp>
         <p:nvSpPr>
-          <p:cNvPr id="6" name="Slide Number Placeholder 5"/>
+          <p:cNvPr id="15" name="Slide Number Placeholder 5">
+            <a:extLst>
+              <a:ext uri="{FF2B5EF4-FFF2-40B4-BE49-F238E27FC236}">
+                <a16:creationId xmlns:a16="http://schemas.microsoft.com/office/drawing/2014/main" id="{D85FDB66-8919-EBD6-A466-40A69BA35D2F}"/>
+              </a:ext>
+            </a:extLst>
+          </p:cNvPr>
           <p:cNvSpPr>
             <a:spLocks noGrp="1"/>
           </p:cNvSpPr>
@@ -796,7 +549,12 @@
             <p:ph type="sldNum" sz="quarter" idx="12"/>
           </p:nvPr>
         </p:nvSpPr>
-        <p:spPr/>
+        <p:spPr>
+          <a:xfrm>
+            <a:off x="8610600" y="6356350"/>
+            <a:ext cx="2743200" cy="365125"/>
+          </a:xfrm>
+        </p:spPr>
         <p:txBody>
           <a:bodyPr/>
           <a:lstStyle/>
@@ -812,7 +570,7 @@
     </p:spTree>
     <p:extLst>
       <p:ext uri="{BB962C8B-B14F-4D97-AF65-F5344CB8AC3E}">
-        <p14:creationId xmlns:p14="http://schemas.microsoft.com/office/powerpoint/2010/main" val="2041118127"/>
+        <p14:creationId xmlns:p14="http://schemas.microsoft.com/office/powerpoint/2010/main" val="2940812517"/>
       </p:ext>
     </p:extLst>
   </p:cSld>
@@ -823,7 +581,312 @@
 </file>
 
 <file path=ppt/slideLayouts/slideLayout3.xml><?xml version="1.0" encoding="utf-8"?>
-<p:sldLayout xmlns:a="http://schemas.openxmlformats.org/drawingml/2006/main" xmlns:r="http://schemas.openxmlformats.org/officeDocument/2006/relationships" xmlns:p="http://schemas.openxmlformats.org/presentationml/2006/main" type="twoObj" preserve="1">
+<p:sldLayout xmlns:a="http://schemas.openxmlformats.org/drawingml/2006/main" xmlns:r="http://schemas.openxmlformats.org/officeDocument/2006/relationships" xmlns:p="http://schemas.openxmlformats.org/presentationml/2006/main" type="secHead" preserve="1">
+  <p:cSld name="Section Header">
+    <p:spTree>
+      <p:nvGrpSpPr>
+        <p:cNvPr id="1" name=""/>
+        <p:cNvGrpSpPr/>
+        <p:nvPr/>
+      </p:nvGrpSpPr>
+      <p:grpSpPr>
+        <a:xfrm>
+          <a:off x="0" y="0"/>
+          <a:ext cx="0" cy="0"/>
+          <a:chOff x="0" y="0"/>
+          <a:chExt cx="0" cy="0"/>
+        </a:xfrm>
+      </p:grpSpPr>
+      <p:sp>
+        <p:nvSpPr>
+          <p:cNvPr id="2" name="Title 1">
+            <a:extLst>
+              <a:ext uri="{FF2B5EF4-FFF2-40B4-BE49-F238E27FC236}">
+                <a16:creationId xmlns:a16="http://schemas.microsoft.com/office/drawing/2014/main" id="{7D2D3228-FE04-7DEA-019C-C4C49173FC34}"/>
+              </a:ext>
+            </a:extLst>
+          </p:cNvPr>
+          <p:cNvSpPr>
+            <a:spLocks noGrp="1"/>
+          </p:cNvSpPr>
+          <p:nvPr>
+            <p:ph type="title"/>
+          </p:nvPr>
+        </p:nvSpPr>
+        <p:spPr>
+          <a:xfrm>
+            <a:off x="831850" y="1709738"/>
+            <a:ext cx="10515600" cy="2852737"/>
+          </a:xfrm>
+          <a:prstGeom prst="rect">
+            <a:avLst/>
+          </a:prstGeom>
+        </p:spPr>
+        <p:txBody>
+          <a:bodyPr anchor="b"/>
+          <a:lstStyle>
+            <a:lvl1pPr>
+              <a:defRPr sz="6000"/>
+            </a:lvl1pPr>
+          </a:lstStyle>
+          <a:p>
+            <a:r>
+              <a:rPr lang="en-US"/>
+              <a:t>Click to edit Master title style</a:t>
+            </a:r>
+          </a:p>
+        </p:txBody>
+      </p:sp>
+      <p:sp>
+        <p:nvSpPr>
+          <p:cNvPr id="3" name="Text Placeholder 2">
+            <a:extLst>
+              <a:ext uri="{FF2B5EF4-FFF2-40B4-BE49-F238E27FC236}">
+                <a16:creationId xmlns:a16="http://schemas.microsoft.com/office/drawing/2014/main" id="{9FDB8C87-ACAA-A341-C8CB-A07D51128824}"/>
+              </a:ext>
+            </a:extLst>
+          </p:cNvPr>
+          <p:cNvSpPr>
+            <a:spLocks noGrp="1"/>
+          </p:cNvSpPr>
+          <p:nvPr>
+            <p:ph type="body" idx="1"/>
+          </p:nvPr>
+        </p:nvSpPr>
+        <p:spPr>
+          <a:xfrm>
+            <a:off x="831850" y="4589463"/>
+            <a:ext cx="10515600" cy="1500187"/>
+          </a:xfrm>
+          <a:prstGeom prst="rect">
+            <a:avLst/>
+          </a:prstGeom>
+        </p:spPr>
+        <p:txBody>
+          <a:bodyPr/>
+          <a:lstStyle>
+            <a:lvl1pPr marL="0" indent="0">
+              <a:buNone/>
+              <a:defRPr sz="2400">
+                <a:solidFill>
+                  <a:schemeClr val="tx1">
+                    <a:tint val="82000"/>
+                  </a:schemeClr>
+                </a:solidFill>
+              </a:defRPr>
+            </a:lvl1pPr>
+            <a:lvl2pPr marL="457200" indent="0">
+              <a:buNone/>
+              <a:defRPr sz="2000">
+                <a:solidFill>
+                  <a:schemeClr val="tx1">
+                    <a:tint val="82000"/>
+                  </a:schemeClr>
+                </a:solidFill>
+              </a:defRPr>
+            </a:lvl2pPr>
+            <a:lvl3pPr marL="914400" indent="0">
+              <a:buNone/>
+              <a:defRPr sz="1800">
+                <a:solidFill>
+                  <a:schemeClr val="tx1">
+                    <a:tint val="82000"/>
+                  </a:schemeClr>
+                </a:solidFill>
+              </a:defRPr>
+            </a:lvl3pPr>
+            <a:lvl4pPr marL="1371600" indent="0">
+              <a:buNone/>
+              <a:defRPr sz="1600">
+                <a:solidFill>
+                  <a:schemeClr val="tx1">
+                    <a:tint val="82000"/>
+                  </a:schemeClr>
+                </a:solidFill>
+              </a:defRPr>
+            </a:lvl4pPr>
+            <a:lvl5pPr marL="1828800" indent="0">
+              <a:buNone/>
+              <a:defRPr sz="1600">
+                <a:solidFill>
+                  <a:schemeClr val="tx1">
+                    <a:tint val="82000"/>
+                  </a:schemeClr>
+                </a:solidFill>
+              </a:defRPr>
+            </a:lvl5pPr>
+            <a:lvl6pPr marL="2286000" indent="0">
+              <a:buNone/>
+              <a:defRPr sz="1600">
+                <a:solidFill>
+                  <a:schemeClr val="tx1">
+                    <a:tint val="82000"/>
+                  </a:schemeClr>
+                </a:solidFill>
+              </a:defRPr>
+            </a:lvl6pPr>
+            <a:lvl7pPr marL="2743200" indent="0">
+              <a:buNone/>
+              <a:defRPr sz="1600">
+                <a:solidFill>
+                  <a:schemeClr val="tx1">
+                    <a:tint val="82000"/>
+                  </a:schemeClr>
+                </a:solidFill>
+              </a:defRPr>
+            </a:lvl7pPr>
+            <a:lvl8pPr marL="3200400" indent="0">
+              <a:buNone/>
+              <a:defRPr sz="1600">
+                <a:solidFill>
+                  <a:schemeClr val="tx1">
+                    <a:tint val="82000"/>
+                  </a:schemeClr>
+                </a:solidFill>
+              </a:defRPr>
+            </a:lvl8pPr>
+            <a:lvl9pPr marL="3657600" indent="0">
+              <a:buNone/>
+              <a:defRPr sz="1600">
+                <a:solidFill>
+                  <a:schemeClr val="tx1">
+                    <a:tint val="82000"/>
+                  </a:schemeClr>
+                </a:solidFill>
+              </a:defRPr>
+            </a:lvl9pPr>
+          </a:lstStyle>
+          <a:p>
+            <a:pPr lvl="0"/>
+            <a:r>
+              <a:rPr lang="en-US"/>
+              <a:t>Click to edit Master text styles</a:t>
+            </a:r>
+          </a:p>
+        </p:txBody>
+      </p:sp>
+      <p:sp>
+        <p:nvSpPr>
+          <p:cNvPr id="4" name="Date Placeholder 3">
+            <a:extLst>
+              <a:ext uri="{FF2B5EF4-FFF2-40B4-BE49-F238E27FC236}">
+                <a16:creationId xmlns:a16="http://schemas.microsoft.com/office/drawing/2014/main" id="{F7E0B948-34C6-9B47-E84D-1F9008FA7789}"/>
+              </a:ext>
+            </a:extLst>
+          </p:cNvPr>
+          <p:cNvSpPr>
+            <a:spLocks noGrp="1"/>
+          </p:cNvSpPr>
+          <p:nvPr>
+            <p:ph type="dt" sz="half" idx="10"/>
+          </p:nvPr>
+        </p:nvSpPr>
+        <p:spPr>
+          <a:xfrm>
+            <a:off x="838200" y="6356350"/>
+            <a:ext cx="2743200" cy="365125"/>
+          </a:xfrm>
+          <a:prstGeom prst="rect">
+            <a:avLst/>
+          </a:prstGeom>
+        </p:spPr>
+        <p:txBody>
+          <a:bodyPr/>
+          <a:lstStyle/>
+          <a:p>
+            <a:fld id="{D612C0A6-AE28-4A59-9BC4-C12CBE3FED92}" type="datetimeFigureOut">
+              <a:rPr lang="en-US" smtClean="0"/>
+              <a:t>2/8/2026</a:t>
+            </a:fld>
+            <a:endParaRPr lang="en-US"/>
+          </a:p>
+        </p:txBody>
+      </p:sp>
+      <p:sp>
+        <p:nvSpPr>
+          <p:cNvPr id="5" name="Footer Placeholder 4">
+            <a:extLst>
+              <a:ext uri="{FF2B5EF4-FFF2-40B4-BE49-F238E27FC236}">
+                <a16:creationId xmlns:a16="http://schemas.microsoft.com/office/drawing/2014/main" id="{79995C46-6235-B023-6A5E-E9E9CA5DC16C}"/>
+              </a:ext>
+            </a:extLst>
+          </p:cNvPr>
+          <p:cNvSpPr>
+            <a:spLocks noGrp="1"/>
+          </p:cNvSpPr>
+          <p:nvPr>
+            <p:ph type="ftr" sz="quarter" idx="11"/>
+          </p:nvPr>
+        </p:nvSpPr>
+        <p:spPr>
+          <a:xfrm>
+            <a:off x="4038600" y="6356350"/>
+            <a:ext cx="4114800" cy="365125"/>
+          </a:xfrm>
+          <a:prstGeom prst="rect">
+            <a:avLst/>
+          </a:prstGeom>
+        </p:spPr>
+        <p:txBody>
+          <a:bodyPr/>
+          <a:lstStyle/>
+          <a:p>
+            <a:endParaRPr lang="en-US"/>
+          </a:p>
+        </p:txBody>
+      </p:sp>
+      <p:sp>
+        <p:nvSpPr>
+          <p:cNvPr id="6" name="Slide Number Placeholder 5">
+            <a:extLst>
+              <a:ext uri="{FF2B5EF4-FFF2-40B4-BE49-F238E27FC236}">
+                <a16:creationId xmlns:a16="http://schemas.microsoft.com/office/drawing/2014/main" id="{104DBE89-7DD6-3EFC-CBC5-DA2D983AF64E}"/>
+              </a:ext>
+            </a:extLst>
+          </p:cNvPr>
+          <p:cNvSpPr>
+            <a:spLocks noGrp="1"/>
+          </p:cNvSpPr>
+          <p:nvPr>
+            <p:ph type="sldNum" sz="quarter" idx="12"/>
+          </p:nvPr>
+        </p:nvSpPr>
+        <p:spPr>
+          <a:xfrm>
+            <a:off x="8610600" y="6356350"/>
+            <a:ext cx="2743200" cy="365125"/>
+          </a:xfrm>
+          <a:prstGeom prst="rect">
+            <a:avLst/>
+          </a:prstGeom>
+        </p:spPr>
+        <p:txBody>
+          <a:bodyPr/>
+          <a:lstStyle/>
+          <a:p>
+            <a:fld id="{877CC90F-7A03-4989-BA44-835A99DB98F5}" type="slidenum">
+              <a:rPr lang="en-US" smtClean="0"/>
+              <a:t>‹#›</a:t>
+            </a:fld>
+            <a:endParaRPr lang="en-US"/>
+          </a:p>
+        </p:txBody>
+      </p:sp>
+    </p:spTree>
+    <p:extLst>
+      <p:ext uri="{BB962C8B-B14F-4D97-AF65-F5344CB8AC3E}">
+        <p14:creationId xmlns:p14="http://schemas.microsoft.com/office/powerpoint/2010/main" val="2865311780"/>
+      </p:ext>
+    </p:extLst>
+  </p:cSld>
+  <p:clrMapOvr>
+    <a:masterClrMapping/>
+  </p:clrMapOvr>
+</p:sldLayout>
+</file>
+
+<file path=ppt/slideLayouts/slideLayout4.xml><?xml version="1.0" encoding="utf-8"?>
+<p:sldLayout xmlns:a="http://schemas.openxmlformats.org/drawingml/2006/main" xmlns:r="http://schemas.openxmlformats.org/officeDocument/2006/relationships" xmlns:p="http://schemas.openxmlformats.org/presentationml/2006/main" preserve="1" userDrawn="1">
   <p:cSld name="Two Content">
     <p:spTree>
       <p:nvGrpSpPr>
@@ -841,7 +904,13 @@
       </p:grpSpPr>
       <p:sp>
         <p:nvSpPr>
-          <p:cNvPr id="2" name="Title 1"/>
+          <p:cNvPr id="8" name="Title 1">
+            <a:extLst>
+              <a:ext uri="{FF2B5EF4-FFF2-40B4-BE49-F238E27FC236}">
+                <a16:creationId xmlns:a16="http://schemas.microsoft.com/office/drawing/2014/main" id="{4F13C11D-FF3C-8FA9-2C10-03760BE13468}"/>
+              </a:ext>
+            </a:extLst>
+          </p:cNvPr>
           <p:cNvSpPr>
             <a:spLocks noGrp="1"/>
           </p:cNvSpPr>
@@ -849,7 +918,12 @@
             <p:ph type="title"/>
           </p:nvPr>
         </p:nvSpPr>
-        <p:spPr/>
+        <p:spPr>
+          <a:xfrm>
+            <a:off x="856264" y="1184792"/>
+            <a:ext cx="10515600" cy="679940"/>
+          </a:xfrm>
+        </p:spPr>
         <p:txBody>
           <a:bodyPr/>
           <a:lstStyle/>
@@ -863,7 +937,13 @@
       </p:sp>
       <p:sp>
         <p:nvSpPr>
-          <p:cNvPr id="3" name="Content Placeholder 2"/>
+          <p:cNvPr id="9" name="Content Placeholder 2">
+            <a:extLst>
+              <a:ext uri="{FF2B5EF4-FFF2-40B4-BE49-F238E27FC236}">
+                <a16:creationId xmlns:a16="http://schemas.microsoft.com/office/drawing/2014/main" id="{B30FDEF4-99D8-83A9-63A1-C35A53C983F5}"/>
+              </a:ext>
+            </a:extLst>
+          </p:cNvPr>
           <p:cNvSpPr>
             <a:spLocks noGrp="1"/>
           </p:cNvSpPr>
@@ -919,7 +999,13 @@
       </p:sp>
       <p:sp>
         <p:nvSpPr>
-          <p:cNvPr id="4" name="Content Placeholder 3"/>
+          <p:cNvPr id="10" name="Content Placeholder 3">
+            <a:extLst>
+              <a:ext uri="{FF2B5EF4-FFF2-40B4-BE49-F238E27FC236}">
+                <a16:creationId xmlns:a16="http://schemas.microsoft.com/office/drawing/2014/main" id="{4F20CD59-D3B9-AF99-EA2A-2CD86D07F210}"/>
+              </a:ext>
+            </a:extLst>
+          </p:cNvPr>
           <p:cNvSpPr>
             <a:spLocks noGrp="1"/>
           </p:cNvSpPr>
@@ -975,7 +1061,13 @@
       </p:sp>
       <p:sp>
         <p:nvSpPr>
-          <p:cNvPr id="5" name="Date Placeholder 4"/>
+          <p:cNvPr id="11" name="Date Placeholder 4">
+            <a:extLst>
+              <a:ext uri="{FF2B5EF4-FFF2-40B4-BE49-F238E27FC236}">
+                <a16:creationId xmlns:a16="http://schemas.microsoft.com/office/drawing/2014/main" id="{C97CE802-2C31-6F7E-5257-7ACF7DFE434A}"/>
+              </a:ext>
+            </a:extLst>
+          </p:cNvPr>
           <p:cNvSpPr>
             <a:spLocks noGrp="1"/>
           </p:cNvSpPr>
@@ -983,7 +1075,12 @@
             <p:ph type="dt" sz="half" idx="10"/>
           </p:nvPr>
         </p:nvSpPr>
-        <p:spPr/>
+        <p:spPr>
+          <a:xfrm>
+            <a:off x="838200" y="6356350"/>
+            <a:ext cx="2743200" cy="365125"/>
+          </a:xfrm>
+        </p:spPr>
         <p:txBody>
           <a:bodyPr/>
           <a:lstStyle/>
@@ -998,7 +1095,13 @@
       </p:sp>
       <p:sp>
         <p:nvSpPr>
-          <p:cNvPr id="6" name="Footer Placeholder 5"/>
+          <p:cNvPr id="12" name="Footer Placeholder 5">
+            <a:extLst>
+              <a:ext uri="{FF2B5EF4-FFF2-40B4-BE49-F238E27FC236}">
+                <a16:creationId xmlns:a16="http://schemas.microsoft.com/office/drawing/2014/main" id="{D8EC6971-893C-F6E9-3E36-AC5F63238A28}"/>
+              </a:ext>
+            </a:extLst>
+          </p:cNvPr>
           <p:cNvSpPr>
             <a:spLocks noGrp="1"/>
           </p:cNvSpPr>
@@ -1006,7 +1109,12 @@
             <p:ph type="ftr" sz="quarter" idx="11"/>
           </p:nvPr>
         </p:nvSpPr>
-        <p:spPr/>
+        <p:spPr>
+          <a:xfrm>
+            <a:off x="4038600" y="6356350"/>
+            <a:ext cx="4114800" cy="365125"/>
+          </a:xfrm>
+        </p:spPr>
         <p:txBody>
           <a:bodyPr/>
           <a:lstStyle/>
@@ -1017,7 +1125,13 @@
       </p:sp>
       <p:sp>
         <p:nvSpPr>
-          <p:cNvPr id="7" name="Slide Number Placeholder 6"/>
+          <p:cNvPr id="13" name="Slide Number Placeholder 6">
+            <a:extLst>
+              <a:ext uri="{FF2B5EF4-FFF2-40B4-BE49-F238E27FC236}">
+                <a16:creationId xmlns:a16="http://schemas.microsoft.com/office/drawing/2014/main" id="{7CAC671B-7A3A-2C13-4BB3-A800FD61FABF}"/>
+              </a:ext>
+            </a:extLst>
+          </p:cNvPr>
           <p:cNvSpPr>
             <a:spLocks noGrp="1"/>
           </p:cNvSpPr>
@@ -1025,7 +1139,12 @@
             <p:ph type="sldNum" sz="quarter" idx="12"/>
           </p:nvPr>
         </p:nvSpPr>
-        <p:spPr/>
+        <p:spPr>
+          <a:xfrm>
+            <a:off x="8610600" y="6356350"/>
+            <a:ext cx="2743200" cy="365125"/>
+          </a:xfrm>
+        </p:spPr>
         <p:txBody>
           <a:bodyPr/>
           <a:lstStyle/>
@@ -1041,300 +1160,7 @@
     </p:spTree>
     <p:extLst>
       <p:ext uri="{BB962C8B-B14F-4D97-AF65-F5344CB8AC3E}">
-        <p14:creationId xmlns:p14="http://schemas.microsoft.com/office/powerpoint/2010/main" val="617263636"/>
-      </p:ext>
-    </p:extLst>
-  </p:cSld>
-  <p:clrMapOvr>
-    <a:masterClrMapping/>
-  </p:clrMapOvr>
-</p:sldLayout>
-</file>
-
-<file path=ppt/slideLayouts/slideLayout4.xml><?xml version="1.0" encoding="utf-8"?>
-<p:sldLayout xmlns:a="http://schemas.openxmlformats.org/drawingml/2006/main" xmlns:r="http://schemas.openxmlformats.org/officeDocument/2006/relationships" xmlns:p="http://schemas.openxmlformats.org/presentationml/2006/main" type="blank" preserve="1">
-  <p:cSld name="Blank">
-    <p:spTree>
-      <p:nvGrpSpPr>
-        <p:cNvPr id="1" name=""/>
-        <p:cNvGrpSpPr/>
-        <p:nvPr/>
-      </p:nvGrpSpPr>
-      <p:grpSpPr>
-        <a:xfrm>
-          <a:off x="0" y="0"/>
-          <a:ext cx="0" cy="0"/>
-          <a:chOff x="0" y="0"/>
-          <a:chExt cx="0" cy="0"/>
-        </a:xfrm>
-      </p:grpSpPr>
-      <p:sp>
-        <p:nvSpPr>
-          <p:cNvPr id="2" name="Date Placeholder 1"/>
-          <p:cNvSpPr>
-            <a:spLocks noGrp="1"/>
-          </p:cNvSpPr>
-          <p:nvPr>
-            <p:ph type="dt" sz="half" idx="10"/>
-          </p:nvPr>
-        </p:nvSpPr>
-        <p:spPr/>
-        <p:txBody>
-          <a:bodyPr/>
-          <a:lstStyle/>
-          <a:p>
-            <a:fld id="{479851BC-F170-4E4B-8200-C04C1C7E299C}" type="datetimeFigureOut">
-              <a:rPr lang="en-US" smtClean="0"/>
-              <a:t>2/8/2026</a:t>
-            </a:fld>
-            <a:endParaRPr lang="en-US"/>
-          </a:p>
-        </p:txBody>
-      </p:sp>
-      <p:sp>
-        <p:nvSpPr>
-          <p:cNvPr id="3" name="Footer Placeholder 2"/>
-          <p:cNvSpPr>
-            <a:spLocks noGrp="1"/>
-          </p:cNvSpPr>
-          <p:nvPr>
-            <p:ph type="ftr" sz="quarter" idx="11"/>
-          </p:nvPr>
-        </p:nvSpPr>
-        <p:spPr/>
-        <p:txBody>
-          <a:bodyPr/>
-          <a:lstStyle/>
-          <a:p>
-            <a:endParaRPr lang="en-US"/>
-          </a:p>
-        </p:txBody>
-      </p:sp>
-      <p:sp>
-        <p:nvSpPr>
-          <p:cNvPr id="4" name="Slide Number Placeholder 3"/>
-          <p:cNvSpPr>
-            <a:spLocks noGrp="1"/>
-          </p:cNvSpPr>
-          <p:nvPr>
-            <p:ph type="sldNum" sz="quarter" idx="12"/>
-          </p:nvPr>
-        </p:nvSpPr>
-        <p:spPr/>
-        <p:txBody>
-          <a:bodyPr/>
-          <a:lstStyle/>
-          <a:p>
-            <a:fld id="{67D6BF1C-62BE-7D4B-8F59-44B118A75BEC}" type="slidenum">
-              <a:rPr lang="en-US" smtClean="0"/>
-              <a:t>‹#›</a:t>
-            </a:fld>
-            <a:endParaRPr lang="en-US"/>
-          </a:p>
-        </p:txBody>
-      </p:sp>
-    </p:spTree>
-    <p:extLst>
-      <p:ext uri="{BB962C8B-B14F-4D97-AF65-F5344CB8AC3E}">
-        <p14:creationId xmlns:p14="http://schemas.microsoft.com/office/powerpoint/2010/main" val="1200567292"/>
-      </p:ext>
-    </p:extLst>
-  </p:cSld>
-  <p:clrMapOvr>
-    <a:masterClrMapping/>
-  </p:clrMapOvr>
-</p:sldLayout>
-</file>
-
-<file path=ppt/slideLayouts/slideLayout5.xml><?xml version="1.0" encoding="utf-8"?>
-<p:sldLayout xmlns:a="http://schemas.openxmlformats.org/drawingml/2006/main" xmlns:r="http://schemas.openxmlformats.org/officeDocument/2006/relationships" xmlns:p="http://schemas.openxmlformats.org/presentationml/2006/main" type="tx" preserve="1">
-  <p:cSld name="Title and Text">
-    <p:spTree>
-      <p:nvGrpSpPr>
-        <p:cNvPr id="1" name=""/>
-        <p:cNvGrpSpPr/>
-        <p:nvPr/>
-      </p:nvGrpSpPr>
-      <p:grpSpPr>
-        <a:xfrm>
-          <a:off x="0" y="0"/>
-          <a:ext cx="0" cy="0"/>
-          <a:chOff x="0" y="0"/>
-          <a:chExt cx="0" cy="0"/>
-        </a:xfrm>
-      </p:grpSpPr>
-      <p:sp>
-        <p:nvSpPr>
-          <p:cNvPr id="2" name="Title 1">
-            <a:extLst>
-              <a:ext uri="{FF2B5EF4-FFF2-40B4-BE49-F238E27FC236}">
-                <a16:creationId xmlns:a16="http://schemas.microsoft.com/office/drawing/2014/main" id="{CA9B3E28-EBBA-4C84-97FD-F4ADE0C47DB9}"/>
-              </a:ext>
-            </a:extLst>
-          </p:cNvPr>
-          <p:cNvSpPr>
-            <a:spLocks noGrp="1"/>
-          </p:cNvSpPr>
-          <p:nvPr>
-            <p:ph type="title"/>
-          </p:nvPr>
-        </p:nvSpPr>
-        <p:spPr/>
-        <p:txBody>
-          <a:bodyPr/>
-          <a:lstStyle/>
-          <a:p>
-            <a:r>
-              <a:rPr lang="en-US"/>
-              <a:t>Click to edit Master title style</a:t>
-            </a:r>
-          </a:p>
-        </p:txBody>
-      </p:sp>
-      <p:sp>
-        <p:nvSpPr>
-          <p:cNvPr id="3" name="Text Placeholder 2">
-            <a:extLst>
-              <a:ext uri="{FF2B5EF4-FFF2-40B4-BE49-F238E27FC236}">
-                <a16:creationId xmlns:a16="http://schemas.microsoft.com/office/drawing/2014/main" id="{E10A12CB-987D-4719-B02A-C156130C27D5}"/>
-              </a:ext>
-            </a:extLst>
-          </p:cNvPr>
-          <p:cNvSpPr>
-            <a:spLocks noGrp="1"/>
-          </p:cNvSpPr>
-          <p:nvPr>
-            <p:ph type="body" idx="1"/>
-          </p:nvPr>
-        </p:nvSpPr>
-        <p:spPr/>
-        <p:txBody>
-          <a:bodyPr/>
-          <a:lstStyle/>
-          <a:p>
-            <a:pPr lvl="0"/>
-            <a:r>
-              <a:rPr lang="en-US"/>
-              <a:t>Click to edit Master text styles</a:t>
-            </a:r>
-          </a:p>
-          <a:p>
-            <a:pPr lvl="1"/>
-            <a:r>
-              <a:rPr lang="en-US"/>
-              <a:t>Second level</a:t>
-            </a:r>
-          </a:p>
-          <a:p>
-            <a:pPr lvl="2"/>
-            <a:r>
-              <a:rPr lang="en-US"/>
-              <a:t>Third level</a:t>
-            </a:r>
-          </a:p>
-          <a:p>
-            <a:pPr lvl="3"/>
-            <a:r>
-              <a:rPr lang="en-US"/>
-              <a:t>Fourth level</a:t>
-            </a:r>
-          </a:p>
-          <a:p>
-            <a:pPr lvl="4"/>
-            <a:r>
-              <a:rPr lang="en-US"/>
-              <a:t>Fifth level</a:t>
-            </a:r>
-          </a:p>
-        </p:txBody>
-      </p:sp>
-      <p:sp>
-        <p:nvSpPr>
-          <p:cNvPr id="4" name="Date Placeholder 3">
-            <a:extLst>
-              <a:ext uri="{FF2B5EF4-FFF2-40B4-BE49-F238E27FC236}">
-                <a16:creationId xmlns:a16="http://schemas.microsoft.com/office/drawing/2014/main" id="{61033E55-2E6B-4DC1-9FE8-57E3851CDD2E}"/>
-              </a:ext>
-            </a:extLst>
-          </p:cNvPr>
-          <p:cNvSpPr>
-            <a:spLocks noGrp="1"/>
-          </p:cNvSpPr>
-          <p:nvPr>
-            <p:ph type="dt" sz="half" idx="10"/>
-          </p:nvPr>
-        </p:nvSpPr>
-        <p:spPr/>
-        <p:txBody>
-          <a:bodyPr/>
-          <a:lstStyle/>
-          <a:p>
-            <a:fld id="{479851BC-F170-4E4B-8200-C04C1C7E299C}" type="datetimeFigureOut">
-              <a:rPr lang="en-US" smtClean="0"/>
-              <a:t>2/8/2026</a:t>
-            </a:fld>
-            <a:endParaRPr lang="en-US"/>
-          </a:p>
-        </p:txBody>
-      </p:sp>
-      <p:sp>
-        <p:nvSpPr>
-          <p:cNvPr id="5" name="Footer Placeholder 4">
-            <a:extLst>
-              <a:ext uri="{FF2B5EF4-FFF2-40B4-BE49-F238E27FC236}">
-                <a16:creationId xmlns:a16="http://schemas.microsoft.com/office/drawing/2014/main" id="{B782FB64-1FA0-4C5C-8F88-EE896C0F724A}"/>
-              </a:ext>
-            </a:extLst>
-          </p:cNvPr>
-          <p:cNvSpPr>
-            <a:spLocks noGrp="1"/>
-          </p:cNvSpPr>
-          <p:nvPr>
-            <p:ph type="ftr" sz="quarter" idx="11"/>
-          </p:nvPr>
-        </p:nvSpPr>
-        <p:spPr/>
-        <p:txBody>
-          <a:bodyPr/>
-          <a:lstStyle/>
-          <a:p>
-            <a:endParaRPr lang="en-US"/>
-          </a:p>
-        </p:txBody>
-      </p:sp>
-      <p:sp>
-        <p:nvSpPr>
-          <p:cNvPr id="6" name="Slide Number Placeholder 5">
-            <a:extLst>
-              <a:ext uri="{FF2B5EF4-FFF2-40B4-BE49-F238E27FC236}">
-                <a16:creationId xmlns:a16="http://schemas.microsoft.com/office/drawing/2014/main" id="{261F1A53-C01C-41AF-9001-DE18FE7CF82C}"/>
-              </a:ext>
-            </a:extLst>
-          </p:cNvPr>
-          <p:cNvSpPr>
-            <a:spLocks noGrp="1"/>
-          </p:cNvSpPr>
-          <p:nvPr>
-            <p:ph type="sldNum" sz="quarter" idx="12"/>
-          </p:nvPr>
-        </p:nvSpPr>
-        <p:spPr/>
-        <p:txBody>
-          <a:bodyPr/>
-          <a:lstStyle/>
-          <a:p>
-            <a:fld id="{67D6BF1C-62BE-7D4B-8F59-44B118A75BEC}" type="slidenum">
-              <a:rPr lang="en-US" smtClean="0"/>
-              <a:t>‹#›</a:t>
-            </a:fld>
-            <a:endParaRPr lang="en-US"/>
-          </a:p>
-        </p:txBody>
-      </p:sp>
-    </p:spTree>
-    <p:extLst>
-      <p:ext uri="{BB962C8B-B14F-4D97-AF65-F5344CB8AC3E}">
-        <p14:creationId xmlns:p14="http://schemas.microsoft.com/office/powerpoint/2010/main" val="1164919659"/>
+        <p14:creationId xmlns:p14="http://schemas.microsoft.com/office/powerpoint/2010/main" val="871475785"/>
       </p:ext>
     </p:extLst>
   </p:cSld>
@@ -1348,12 +1174,9 @@
 <p:sldMaster xmlns:a="http://schemas.openxmlformats.org/drawingml/2006/main" xmlns:r="http://schemas.openxmlformats.org/officeDocument/2006/relationships" xmlns:p="http://schemas.openxmlformats.org/presentationml/2006/main">
   <p:cSld>
     <p:bg>
-      <p:bgPr>
-        <a:solidFill>
-          <a:schemeClr val="bg1"/>
-        </a:solidFill>
-        <a:effectLst/>
-      </p:bgPr>
+      <p:bgRef idx="1001">
+        <a:schemeClr val="bg1"/>
+      </p:bgRef>
     </p:bg>
     <p:spTree>
       <p:nvGrpSpPr>
@@ -1371,7 +1194,13 @@
       </p:grpSpPr>
       <p:sp>
         <p:nvSpPr>
-          <p:cNvPr id="2" name="Title Placeholder 1"/>
+          <p:cNvPr id="7" name="Title Placeholder 1">
+            <a:extLst>
+              <a:ext uri="{FF2B5EF4-FFF2-40B4-BE49-F238E27FC236}">
+                <a16:creationId xmlns:a16="http://schemas.microsoft.com/office/drawing/2014/main" id="{83EA6FFE-E6EA-B27C-FCEB-4199AEADE841}"/>
+              </a:ext>
+            </a:extLst>
+          </p:cNvPr>
           <p:cNvSpPr>
             <a:spLocks noGrp="1"/>
           </p:cNvSpPr>
@@ -1403,7 +1232,13 @@
       </p:sp>
       <p:sp>
         <p:nvSpPr>
-          <p:cNvPr id="3" name="Text Placeholder 2"/>
+          <p:cNvPr id="8" name="Text Placeholder 2">
+            <a:extLst>
+              <a:ext uri="{FF2B5EF4-FFF2-40B4-BE49-F238E27FC236}">
+                <a16:creationId xmlns:a16="http://schemas.microsoft.com/office/drawing/2014/main" id="{787DB7E4-3846-ACC9-AD0E-D80B3B911CDE}"/>
+              </a:ext>
+            </a:extLst>
+          </p:cNvPr>
           <p:cNvSpPr>
             <a:spLocks noGrp="1"/>
           </p:cNvSpPr>
@@ -1464,7 +1299,13 @@
       </p:sp>
       <p:sp>
         <p:nvSpPr>
-          <p:cNvPr id="4" name="Date Placeholder 3"/>
+          <p:cNvPr id="9" name="Date Placeholder 3">
+            <a:extLst>
+              <a:ext uri="{FF2B5EF4-FFF2-40B4-BE49-F238E27FC236}">
+                <a16:creationId xmlns:a16="http://schemas.microsoft.com/office/drawing/2014/main" id="{A3A1D7F8-5AD1-14C1-BEAB-D9015742220C}"/>
+              </a:ext>
+            </a:extLst>
+          </p:cNvPr>
           <p:cNvSpPr>
             <a:spLocks noGrp="1"/>
           </p:cNvSpPr>
@@ -1505,7 +1346,13 @@
       </p:sp>
       <p:sp>
         <p:nvSpPr>
-          <p:cNvPr id="5" name="Footer Placeholder 4"/>
+          <p:cNvPr id="10" name="Footer Placeholder 4">
+            <a:extLst>
+              <a:ext uri="{FF2B5EF4-FFF2-40B4-BE49-F238E27FC236}">
+                <a16:creationId xmlns:a16="http://schemas.microsoft.com/office/drawing/2014/main" id="{DD5DFA15-303E-94D8-C333-89827ACC1BBD}"/>
+              </a:ext>
+            </a:extLst>
+          </p:cNvPr>
           <p:cNvSpPr>
             <a:spLocks noGrp="1"/>
           </p:cNvSpPr>
@@ -1542,7 +1389,13 @@
       </p:sp>
       <p:sp>
         <p:nvSpPr>
-          <p:cNvPr id="6" name="Slide Number Placeholder 5"/>
+          <p:cNvPr id="11" name="Slide Number Placeholder 5">
+            <a:extLst>
+              <a:ext uri="{FF2B5EF4-FFF2-40B4-BE49-F238E27FC236}">
+                <a16:creationId xmlns:a16="http://schemas.microsoft.com/office/drawing/2014/main" id="{3226A441-E0FD-88DD-8CE0-DDDFCBB65B75}"/>
+              </a:ext>
+            </a:extLst>
+          </p:cNvPr>
           <p:cNvSpPr>
             <a:spLocks noGrp="1"/>
           </p:cNvSpPr>
@@ -1583,10 +1436,10 @@
       </p:sp>
       <p:pic>
         <p:nvPicPr>
-          <p:cNvPr id="10" name="Picture 9" descr="A close-up of water droplets&#10;&#10;Description automatically generated with low confidence">
-            <a:extLst>
-              <a:ext uri="{FF2B5EF4-FFF2-40B4-BE49-F238E27FC236}">
-                <a16:creationId xmlns:a16="http://schemas.microsoft.com/office/drawing/2014/main" id="{C668F457-4F5E-4298-88FF-EE8DB9C4F44D}"/>
+          <p:cNvPr id="12" name="Picture 11" descr="A close-up of water droplets&#10;&#10;Description automatically generated with low confidence">
+            <a:extLst>
+              <a:ext uri="{FF2B5EF4-FFF2-40B4-BE49-F238E27FC236}">
+                <a16:creationId xmlns:a16="http://schemas.microsoft.com/office/drawing/2014/main" id="{70716DAF-F556-90F3-692B-BBB838D1F345}"/>
               </a:ext>
             </a:extLst>
           </p:cNvPr>
@@ -1596,7 +1449,7 @@
           <p:nvPr userDrawn="1"/>
         </p:nvPicPr>
         <p:blipFill rotWithShape="1">
-          <a:blip r:embed="rId7" cstate="print">
+          <a:blip r:embed="rId6" cstate="print">
             <a:extLst>
               <a:ext uri="{28A0092B-C50C-407E-A947-70E740481C1C}">
                 <a14:useLocalDpi xmlns:a14="http://schemas.microsoft.com/office/drawing/2010/main" val="0"/>
@@ -1618,10 +1471,10 @@
       </p:pic>
       <p:pic>
         <p:nvPicPr>
-          <p:cNvPr id="11" name="Picture 10" descr="A close-up of water droplets&#10;&#10;Description automatically generated with low confidence">
-            <a:extLst>
-              <a:ext uri="{FF2B5EF4-FFF2-40B4-BE49-F238E27FC236}">
-                <a16:creationId xmlns:a16="http://schemas.microsoft.com/office/drawing/2014/main" id="{8EA21B19-B9F4-42B1-B6C7-52DA5EEA2783}"/>
+          <p:cNvPr id="13" name="Picture 12" descr="A close-up of water droplets&#10;&#10;Description automatically generated with low confidence">
+            <a:extLst>
+              <a:ext uri="{FF2B5EF4-FFF2-40B4-BE49-F238E27FC236}">
+                <a16:creationId xmlns:a16="http://schemas.microsoft.com/office/drawing/2014/main" id="{2750F5F9-A071-4FCD-49D7-EA53CF50DA41}"/>
               </a:ext>
             </a:extLst>
           </p:cNvPr>
@@ -1631,7 +1484,7 @@
           <p:nvPr userDrawn="1"/>
         </p:nvPicPr>
         <p:blipFill rotWithShape="1">
-          <a:blip r:embed="rId7" cstate="print">
+          <a:blip r:embed="rId6" cstate="print">
             <a:extLst>
               <a:ext uri="{28A0092B-C50C-407E-A947-70E740481C1C}">
                 <a14:useLocalDpi xmlns:a14="http://schemas.microsoft.com/office/drawing/2010/main" val="0"/>
@@ -1653,10 +1506,10 @@
       </p:pic>
       <p:pic>
         <p:nvPicPr>
-          <p:cNvPr id="12" name="Picture 11">
-            <a:extLst>
-              <a:ext uri="{FF2B5EF4-FFF2-40B4-BE49-F238E27FC236}">
-                <a16:creationId xmlns:a16="http://schemas.microsoft.com/office/drawing/2014/main" id="{B94A52AA-C990-4F10-A6E7-561D3EBA3644}"/>
+          <p:cNvPr id="14" name="Picture 13">
+            <a:extLst>
+              <a:ext uri="{FF2B5EF4-FFF2-40B4-BE49-F238E27FC236}">
+                <a16:creationId xmlns:a16="http://schemas.microsoft.com/office/drawing/2014/main" id="{D224E880-813B-5E42-FC56-36166C77A840}"/>
               </a:ext>
             </a:extLst>
           </p:cNvPr>
@@ -1666,7 +1519,7 @@
           <p:nvPr userDrawn="1"/>
         </p:nvPicPr>
         <p:blipFill>
-          <a:blip r:embed="rId8"/>
+          <a:blip r:embed="rId7"/>
           <a:stretch>
             <a:fillRect/>
           </a:stretch>
@@ -1683,10 +1536,10 @@
       </p:pic>
       <p:sp>
         <p:nvSpPr>
-          <p:cNvPr id="13" name="TextBox 12">
-            <a:extLst>
-              <a:ext uri="{FF2B5EF4-FFF2-40B4-BE49-F238E27FC236}">
-                <a16:creationId xmlns:a16="http://schemas.microsoft.com/office/drawing/2014/main" id="{566966AE-B1B9-4055-A5C5-E629D5C47729}"/>
+          <p:cNvPr id="15" name="TextBox 14">
+            <a:extLst>
+              <a:ext uri="{FF2B5EF4-FFF2-40B4-BE49-F238E27FC236}">
+                <a16:creationId xmlns:a16="http://schemas.microsoft.com/office/drawing/2014/main" id="{91C2D104-80C3-8B84-C705-9D81B28FEFBF}"/>
               </a:ext>
             </a:extLst>
           </p:cNvPr>
@@ -1745,7 +1598,7 @@
     </p:spTree>
     <p:extLst>
       <p:ext uri="{BB962C8B-B14F-4D97-AF65-F5344CB8AC3E}">
-        <p14:creationId xmlns:p14="http://schemas.microsoft.com/office/powerpoint/2010/main" val="1657699377"/>
+        <p14:creationId xmlns:p14="http://schemas.microsoft.com/office/powerpoint/2010/main" val="530952510"/>
       </p:ext>
     </p:extLst>
   </p:cSld>
@@ -1753,9 +1606,8 @@
   <p:sldLayoutIdLst>
     <p:sldLayoutId id="2147483649" r:id="rId1"/>
     <p:sldLayoutId id="2147483650" r:id="rId2"/>
-    <p:sldLayoutId id="2147483652" r:id="rId3"/>
-    <p:sldLayoutId id="2147483655" r:id="rId4"/>
-    <p:sldLayoutId id="2147483656" r:id="rId5"/>
+    <p:sldLayoutId id="2147483651" r:id="rId3"/>
+    <p:sldLayoutId id="2147483652" r:id="rId4"/>
   </p:sldLayoutIdLst>
   <p:txStyles>
     <p:titleStyle>
@@ -1767,7 +1619,7 @@
           <a:spcPct val="0"/>
         </a:spcBef>
         <a:buNone/>
-        <a:defRPr sz="4400" i="1" kern="1200">
+        <a:defRPr sz="4400" kern="1200">
           <a:solidFill>
             <a:schemeClr val="tx1"/>
           </a:solidFill>
@@ -1785,7 +1637,7 @@
         <a:spcBef>
           <a:spcPts val="1000"/>
         </a:spcBef>
-        <a:buFont typeface="Arial"/>
+        <a:buFont typeface="Arial" panose="020B0604020202020204" pitchFamily="34" charset="0"/>
         <a:buChar char="•"/>
         <a:defRPr sz="2800" kern="1200">
           <a:solidFill>
@@ -1803,7 +1655,7 @@
         <a:spcBef>
           <a:spcPts val="500"/>
         </a:spcBef>
-        <a:buFont typeface="Arial"/>
+        <a:buFont typeface="Arial" panose="020B0604020202020204" pitchFamily="34" charset="0"/>
         <a:buChar char="•"/>
         <a:defRPr sz="2400" kern="1200">
           <a:solidFill>
@@ -1821,7 +1673,7 @@
         <a:spcBef>
           <a:spcPts val="500"/>
         </a:spcBef>
-        <a:buFont typeface="Arial"/>
+        <a:buFont typeface="Arial" panose="020B0604020202020204" pitchFamily="34" charset="0"/>
         <a:buChar char="•"/>
         <a:defRPr sz="2000" kern="1200">
           <a:solidFill>
@@ -1839,7 +1691,7 @@
         <a:spcBef>
           <a:spcPts val="500"/>
         </a:spcBef>
-        <a:buFont typeface="Arial"/>
+        <a:buFont typeface="Arial" panose="020B0604020202020204" pitchFamily="34" charset="0"/>
         <a:buChar char="•"/>
         <a:defRPr sz="1800" kern="1200">
           <a:solidFill>
@@ -1857,7 +1709,7 @@
         <a:spcBef>
           <a:spcPts val="500"/>
         </a:spcBef>
-        <a:buFont typeface="Arial"/>
+        <a:buFont typeface="Arial" panose="020B0604020202020204" pitchFamily="34" charset="0"/>
         <a:buChar char="•"/>
         <a:defRPr sz="1800" kern="1200">
           <a:solidFill>
@@ -1875,7 +1727,7 @@
         <a:spcBef>
           <a:spcPts val="500"/>
         </a:spcBef>
-        <a:buFont typeface="Arial"/>
+        <a:buFont typeface="Arial" panose="020B0604020202020204" pitchFamily="34" charset="0"/>
         <a:buChar char="•"/>
         <a:defRPr sz="1800" kern="1200">
           <a:solidFill>
@@ -1893,7 +1745,7 @@
         <a:spcBef>
           <a:spcPts val="500"/>
         </a:spcBef>
-        <a:buFont typeface="Arial"/>
+        <a:buFont typeface="Arial" panose="020B0604020202020204" pitchFamily="34" charset="0"/>
         <a:buChar char="•"/>
         <a:defRPr sz="1800" kern="1200">
           <a:solidFill>
@@ -1911,7 +1763,7 @@
         <a:spcBef>
           <a:spcPts val="500"/>
         </a:spcBef>
-        <a:buFont typeface="Arial"/>
+        <a:buFont typeface="Arial" panose="020B0604020202020204" pitchFamily="34" charset="0"/>
         <a:buChar char="•"/>
         <a:defRPr sz="1800" kern="1200">
           <a:solidFill>
@@ -1929,7 +1781,7 @@
         <a:spcBef>
           <a:spcPts val="500"/>
         </a:spcBef>
-        <a:buFont typeface="Arial"/>
+        <a:buFont typeface="Arial" panose="020B0604020202020204" pitchFamily="34" charset="0"/>
         <a:buChar char="•"/>
         <a:defRPr sz="1800" kern="1200">
           <a:solidFill>
@@ -2040,16 +1892,84 @@
 </p:sldMaster>
 </file>
 
-<file path=ppt/tags/tag1.xml><?xml version="1.0" encoding="utf-8"?>
-<p:tagLst xmlns:a="http://schemas.openxmlformats.org/drawingml/2006/main" xmlns:r="http://schemas.openxmlformats.org/officeDocument/2006/relationships" xmlns:p="http://schemas.openxmlformats.org/presentationml/2006/main">
-  <p:tag name="TPPRESENTATIONGUID" val="9fbc2d98-8e0a-4e38-84e0-8d8d21a14392"/>
-  <p:tag name="TPVERSION" val="8"/>
-  <p:tag name="PPTVERSION" val="16"/>
-  <p:tag name="TPOS" val="2"/>
-  <p:tag name="TPLASTSAVEVERSION" val="6.4 PC"/>
-  <p:tag name="WASPOLLED" val="D5A6EB22DED445DABBA01BB03CAEA2A3"/>
-  <p:tag name="TPFULLVERSION" val="9.0.11.13"/>
-</p:tagLst>
+<file path=ppt/slides/slide1.xml><?xml version="1.0" encoding="utf-8"?>
+<p:sld xmlns:a="http://schemas.openxmlformats.org/drawingml/2006/main" xmlns:r="http://schemas.openxmlformats.org/officeDocument/2006/relationships" xmlns:p="http://schemas.openxmlformats.org/presentationml/2006/main">
+  <p:cSld>
+    <p:spTree>
+      <p:nvGrpSpPr>
+        <p:cNvPr id="1" name=""/>
+        <p:cNvGrpSpPr/>
+        <p:nvPr/>
+      </p:nvGrpSpPr>
+      <p:grpSpPr>
+        <a:xfrm>
+          <a:off x="0" y="0"/>
+          <a:ext cx="0" cy="0"/>
+          <a:chOff x="0" y="0"/>
+          <a:chExt cx="0" cy="0"/>
+        </a:xfrm>
+      </p:grpSpPr>
+      <p:sp>
+        <p:nvSpPr>
+          <p:cNvPr id="2" name="Title 1">
+            <a:extLst>
+              <a:ext uri="{FF2B5EF4-FFF2-40B4-BE49-F238E27FC236}">
+                <a16:creationId xmlns:a16="http://schemas.microsoft.com/office/drawing/2014/main" id="{35A533E8-B2E6-D0F7-B955-19BE679B5571}"/>
+              </a:ext>
+            </a:extLst>
+          </p:cNvPr>
+          <p:cNvSpPr>
+            <a:spLocks noGrp="1"/>
+          </p:cNvSpPr>
+          <p:nvPr>
+            <p:ph type="ctrTitle"/>
+          </p:nvPr>
+        </p:nvSpPr>
+        <p:spPr/>
+        <p:txBody>
+          <a:bodyPr/>
+          <a:lstStyle/>
+          <a:p>
+            <a:endParaRPr lang="en-US"/>
+          </a:p>
+        </p:txBody>
+      </p:sp>
+      <p:sp>
+        <p:nvSpPr>
+          <p:cNvPr id="3" name="Subtitle 2">
+            <a:extLst>
+              <a:ext uri="{FF2B5EF4-FFF2-40B4-BE49-F238E27FC236}">
+                <a16:creationId xmlns:a16="http://schemas.microsoft.com/office/drawing/2014/main" id="{5B60F494-49A8-F1A4-ADD3-F7A405037760}"/>
+              </a:ext>
+            </a:extLst>
+          </p:cNvPr>
+          <p:cNvSpPr>
+            <a:spLocks noGrp="1"/>
+          </p:cNvSpPr>
+          <p:nvPr>
+            <p:ph type="subTitle" idx="1"/>
+          </p:nvPr>
+        </p:nvSpPr>
+        <p:spPr/>
+        <p:txBody>
+          <a:bodyPr/>
+          <a:lstStyle/>
+          <a:p>
+            <a:endParaRPr lang="en-US"/>
+          </a:p>
+        </p:txBody>
+      </p:sp>
+    </p:spTree>
+    <p:extLst>
+      <p:ext uri="{BB962C8B-B14F-4D97-AF65-F5344CB8AC3E}">
+        <p14:creationId xmlns:p14="http://schemas.microsoft.com/office/powerpoint/2010/main" val="2283185161"/>
+      </p:ext>
+    </p:extLst>
+  </p:cSld>
+  <p:clrMapOvr>
+    <a:masterClrMapping/>
+  </p:clrMapOvr>
+</p:sld>
 </file>
 
 <file path=ppt/theme/theme1.xml><?xml version="1.0" encoding="utf-8"?>
@@ -2063,44 +1983,44 @@
         <a:sysClr val="window" lastClr="FFFFFF"/>
       </a:lt1>
       <a:dk2>
-        <a:srgbClr val="44546A"/>
+        <a:srgbClr val="0E2841"/>
       </a:dk2>
       <a:lt2>
-        <a:srgbClr val="E7E6E6"/>
+        <a:srgbClr val="E8E8E8"/>
       </a:lt2>
       <a:accent1>
-        <a:srgbClr val="5B9BD5"/>
+        <a:srgbClr val="156082"/>
       </a:accent1>
       <a:accent2>
-        <a:srgbClr val="ED7D31"/>
+        <a:srgbClr val="E97132"/>
       </a:accent2>
       <a:accent3>
-        <a:srgbClr val="A5A5A5"/>
+        <a:srgbClr val="196B24"/>
       </a:accent3>
       <a:accent4>
-        <a:srgbClr val="FFC000"/>
+        <a:srgbClr val="0F9ED5"/>
       </a:accent4>
       <a:accent5>
-        <a:srgbClr val="4472C4"/>
+        <a:srgbClr val="A02B93"/>
       </a:accent5>
       <a:accent6>
-        <a:srgbClr val="70AD47"/>
+        <a:srgbClr val="4EA72E"/>
       </a:accent6>
       <a:hlink>
-        <a:srgbClr val="0563C1"/>
+        <a:srgbClr val="467886"/>
       </a:hlink>
       <a:folHlink>
-        <a:srgbClr val="954F72"/>
+        <a:srgbClr val="96607D"/>
       </a:folHlink>
     </a:clrScheme>
     <a:fontScheme name="Office">
       <a:majorFont>
-        <a:latin typeface="Calibri Light" panose="020F0302020204030204"/>
+        <a:latin typeface="Aptos Display" panose="02110004020202020204"/>
         <a:ea typeface=""/>
         <a:cs typeface=""/>
-        <a:font script="Jpan" typeface="Yu Gothic Light"/>
+        <a:font script="Jpan" typeface="游ゴシック Light"/>
         <a:font script="Hang" typeface="맑은 고딕"/>
-        <a:font script="Hans" typeface="DengXian Light"/>
+        <a:font script="Hans" typeface="等线 Light"/>
         <a:font script="Hant" typeface="新細明體"/>
         <a:font script="Arab" typeface="Times New Roman"/>
         <a:font script="Hebr" typeface="Times New Roman"/>
@@ -2128,14 +2048,31 @@
         <a:font script="Viet" typeface="Times New Roman"/>
         <a:font script="Uigh" typeface="Microsoft Uighur"/>
         <a:font script="Geor" typeface="Sylfaen"/>
+        <a:font script="Armn" typeface="Arial"/>
+        <a:font script="Bugi" typeface="Leelawadee UI"/>
+        <a:font script="Bopo" typeface="Microsoft JhengHei"/>
+        <a:font script="Java" typeface="Javanese Text"/>
+        <a:font script="Lisu" typeface="Segoe UI"/>
+        <a:font script="Mymr" typeface="Myanmar Text"/>
+        <a:font script="Nkoo" typeface="Ebrima"/>
+        <a:font script="Olck" typeface="Nirmala UI"/>
+        <a:font script="Osma" typeface="Ebrima"/>
+        <a:font script="Phag" typeface="Phagspa"/>
+        <a:font script="Syrn" typeface="Estrangelo Edessa"/>
+        <a:font script="Syrj" typeface="Estrangelo Edessa"/>
+        <a:font script="Syre" typeface="Estrangelo Edessa"/>
+        <a:font script="Sora" typeface="Nirmala UI"/>
+        <a:font script="Tale" typeface="Microsoft Tai Le"/>
+        <a:font script="Talu" typeface="Microsoft New Tai Lue"/>
+        <a:font script="Tfng" typeface="Ebrima"/>
       </a:majorFont>
       <a:minorFont>
-        <a:latin typeface="Calibri" panose="020F0502020204030204"/>
+        <a:latin typeface="Aptos" panose="02110004020202020204"/>
         <a:ea typeface=""/>
         <a:cs typeface=""/>
-        <a:font script="Jpan" typeface="Yu Gothic"/>
+        <a:font script="Jpan" typeface="游ゴシック"/>
         <a:font script="Hang" typeface="맑은 고딕"/>
-        <a:font script="Hans" typeface="DengXian"/>
+        <a:font script="Hans" typeface="等线"/>
         <a:font script="Hant" typeface="新細明體"/>
         <a:font script="Arab" typeface="Arial"/>
         <a:font script="Hebr" typeface="Arial"/>
@@ -2163,6 +2100,23 @@
         <a:font script="Viet" typeface="Arial"/>
         <a:font script="Uigh" typeface="Microsoft Uighur"/>
         <a:font script="Geor" typeface="Sylfaen"/>
+        <a:font script="Armn" typeface="Arial"/>
+        <a:font script="Bugi" typeface="Leelawadee UI"/>
+        <a:font script="Bopo" typeface="Microsoft JhengHei"/>
+        <a:font script="Java" typeface="Javanese Text"/>
+        <a:font script="Lisu" typeface="Segoe UI"/>
+        <a:font script="Mymr" typeface="Myanmar Text"/>
+        <a:font script="Nkoo" typeface="Ebrima"/>
+        <a:font script="Olck" typeface="Nirmala UI"/>
+        <a:font script="Osma" typeface="Ebrima"/>
+        <a:font script="Phag" typeface="Phagspa"/>
+        <a:font script="Syrn" typeface="Estrangelo Edessa"/>
+        <a:font script="Syrj" typeface="Estrangelo Edessa"/>
+        <a:font script="Syre" typeface="Estrangelo Edessa"/>
+        <a:font script="Sora" typeface="Nirmala UI"/>
+        <a:font script="Tale" typeface="Microsoft Tai Le"/>
+        <a:font script="Talu" typeface="Microsoft New Tai Lue"/>
+        <a:font script="Tfng" typeface="Ebrima"/>
       </a:minorFont>
     </a:fontScheme>
     <a:fmtScheme name="Office">
@@ -2224,13 +2178,6 @@
         </a:gradFill>
       </a:fillStyleLst>
       <a:lnStyleLst>
-        <a:ln w="6350" cap="flat" cmpd="sng" algn="ctr">
-          <a:solidFill>
-            <a:schemeClr val="phClr"/>
-          </a:solidFill>
-          <a:prstDash val="solid"/>
-          <a:miter lim="800000"/>
-        </a:ln>
         <a:ln w="12700" cap="flat" cmpd="sng" algn="ctr">
           <a:solidFill>
             <a:schemeClr val="phClr"/>
@@ -2239,6 +2186,13 @@
           <a:miter lim="800000"/>
         </a:ln>
         <a:ln w="19050" cap="flat" cmpd="sng" algn="ctr">
+          <a:solidFill>
+            <a:schemeClr val="phClr"/>
+          </a:solidFill>
+          <a:prstDash val="solid"/>
+          <a:miter lim="800000"/>
+        </a:ln>
+        <a:ln w="25400" cap="flat" cmpd="sng" algn="ctr">
           <a:solidFill>
             <a:schemeClr val="phClr"/>
           </a:solidFill>
@@ -2303,272 +2257,31 @@
       </a:bgFillStyleLst>
     </a:fmtScheme>
   </a:themeElements>
-  <a:objectDefaults/>
+  <a:objectDefaults>
+    <a:lnDef>
+      <a:spPr/>
+      <a:bodyPr/>
+      <a:lstStyle/>
+      <a:style>
+        <a:lnRef idx="2">
+          <a:schemeClr val="accent1"/>
+        </a:lnRef>
+        <a:fillRef idx="0">
+          <a:schemeClr val="accent1"/>
+        </a:fillRef>
+        <a:effectRef idx="1">
+          <a:schemeClr val="accent1"/>
+        </a:effectRef>
+        <a:fontRef idx="minor">
+          <a:schemeClr val="tx1"/>
+        </a:fontRef>
+      </a:style>
+    </a:lnDef>
+  </a:objectDefaults>
   <a:extraClrSchemeLst/>
   <a:extLst>
     <a:ext uri="{05A4C25C-085E-4340-85A3-A5531E510DB2}">
-      <thm15:themeFamily xmlns:thm15="http://schemas.microsoft.com/office/thememl/2012/main" name="Office Theme" id="{62F939B6-93AF-4DB8-9C6B-D6C7DFDC589F}" vid="{4A3C46E8-61CC-4603-A589-7422A47A8E4A}"/>
-    </a:ext>
-  </a:extLst>
-</a:theme>
-</file>
-
-<file path=ppt/theme/theme2.xml><?xml version="1.0" encoding="utf-8"?>
-<a:theme xmlns:a="http://schemas.openxmlformats.org/drawingml/2006/main" name="Office Theme">
-  <a:themeElements>
-    <a:clrScheme name="Office">
-      <a:dk1>
-        <a:sysClr val="windowText" lastClr="000000"/>
-      </a:dk1>
-      <a:lt1>
-        <a:sysClr val="window" lastClr="FFFFFF"/>
-      </a:lt1>
-      <a:dk2>
-        <a:srgbClr val="44546A"/>
-      </a:dk2>
-      <a:lt2>
-        <a:srgbClr val="E7E6E6"/>
-      </a:lt2>
-      <a:accent1>
-        <a:srgbClr val="5B9BD5"/>
-      </a:accent1>
-      <a:accent2>
-        <a:srgbClr val="ED7D31"/>
-      </a:accent2>
-      <a:accent3>
-        <a:srgbClr val="A5A5A5"/>
-      </a:accent3>
-      <a:accent4>
-        <a:srgbClr val="FFC000"/>
-      </a:accent4>
-      <a:accent5>
-        <a:srgbClr val="4472C4"/>
-      </a:accent5>
-      <a:accent6>
-        <a:srgbClr val="70AD47"/>
-      </a:accent6>
-      <a:hlink>
-        <a:srgbClr val="0563C1"/>
-      </a:hlink>
-      <a:folHlink>
-        <a:srgbClr val="954F72"/>
-      </a:folHlink>
-    </a:clrScheme>
-    <a:fontScheme name="Office">
-      <a:majorFont>
-        <a:latin typeface="Calibri Light" panose="020F0302020204030204"/>
-        <a:ea typeface=""/>
-        <a:cs typeface=""/>
-        <a:font script="Jpan" typeface="Yu Gothic Light"/>
-        <a:font script="Hang" typeface="맑은 고딕"/>
-        <a:font script="Hans" typeface="DengXian Light"/>
-        <a:font script="Hant" typeface="新細明體"/>
-        <a:font script="Arab" typeface="Times New Roman"/>
-        <a:font script="Hebr" typeface="Times New Roman"/>
-        <a:font script="Thai" typeface="Angsana New"/>
-        <a:font script="Ethi" typeface="Nyala"/>
-        <a:font script="Beng" typeface="Vrinda"/>
-        <a:font script="Gujr" typeface="Shruti"/>
-        <a:font script="Khmr" typeface="MoolBoran"/>
-        <a:font script="Knda" typeface="Tunga"/>
-        <a:font script="Guru" typeface="Raavi"/>
-        <a:font script="Cans" typeface="Euphemia"/>
-        <a:font script="Cher" typeface="Plantagenet Cherokee"/>
-        <a:font script="Yiii" typeface="Microsoft Yi Baiti"/>
-        <a:font script="Tibt" typeface="Microsoft Himalaya"/>
-        <a:font script="Thaa" typeface="MV Boli"/>
-        <a:font script="Deva" typeface="Mangal"/>
-        <a:font script="Telu" typeface="Gautami"/>
-        <a:font script="Taml" typeface="Latha"/>
-        <a:font script="Syrc" typeface="Estrangelo Edessa"/>
-        <a:font script="Orya" typeface="Kalinga"/>
-        <a:font script="Mlym" typeface="Kartika"/>
-        <a:font script="Laoo" typeface="DokChampa"/>
-        <a:font script="Sinh" typeface="Iskoola Pota"/>
-        <a:font script="Mong" typeface="Mongolian Baiti"/>
-        <a:font script="Viet" typeface="Times New Roman"/>
-        <a:font script="Uigh" typeface="Microsoft Uighur"/>
-        <a:font script="Geor" typeface="Sylfaen"/>
-      </a:majorFont>
-      <a:minorFont>
-        <a:latin typeface="Calibri" panose="020F0502020204030204"/>
-        <a:ea typeface=""/>
-        <a:cs typeface=""/>
-        <a:font script="Jpan" typeface="Yu Gothic"/>
-        <a:font script="Hang" typeface="맑은 고딕"/>
-        <a:font script="Hans" typeface="DengXian"/>
-        <a:font script="Hant" typeface="新細明體"/>
-        <a:font script="Arab" typeface="Arial"/>
-        <a:font script="Hebr" typeface="Arial"/>
-        <a:font script="Thai" typeface="Cordia New"/>
-        <a:font script="Ethi" typeface="Nyala"/>
-        <a:font script="Beng" typeface="Vrinda"/>
-        <a:font script="Gujr" typeface="Shruti"/>
-        <a:font script="Khmr" typeface="DaunPenh"/>
-        <a:font script="Knda" typeface="Tunga"/>
-        <a:font script="Guru" typeface="Raavi"/>
-        <a:font script="Cans" typeface="Euphemia"/>
-        <a:font script="Cher" typeface="Plantagenet Cherokee"/>
-        <a:font script="Yiii" typeface="Microsoft Yi Baiti"/>
-        <a:font script="Tibt" typeface="Microsoft Himalaya"/>
-        <a:font script="Thaa" typeface="MV Boli"/>
-        <a:font script="Deva" typeface="Mangal"/>
-        <a:font script="Telu" typeface="Gautami"/>
-        <a:font script="Taml" typeface="Latha"/>
-        <a:font script="Syrc" typeface="Estrangelo Edessa"/>
-        <a:font script="Orya" typeface="Kalinga"/>
-        <a:font script="Mlym" typeface="Kartika"/>
-        <a:font script="Laoo" typeface="DokChampa"/>
-        <a:font script="Sinh" typeface="Iskoola Pota"/>
-        <a:font script="Mong" typeface="Mongolian Baiti"/>
-        <a:font script="Viet" typeface="Arial"/>
-        <a:font script="Uigh" typeface="Microsoft Uighur"/>
-        <a:font script="Geor" typeface="Sylfaen"/>
-      </a:minorFont>
-    </a:fontScheme>
-    <a:fmtScheme name="Office">
-      <a:fillStyleLst>
-        <a:solidFill>
-          <a:schemeClr val="phClr"/>
-        </a:solidFill>
-        <a:gradFill rotWithShape="1">
-          <a:gsLst>
-            <a:gs pos="0">
-              <a:schemeClr val="phClr">
-                <a:lumMod val="110000"/>
-                <a:satMod val="105000"/>
-                <a:tint val="67000"/>
-              </a:schemeClr>
-            </a:gs>
-            <a:gs pos="50000">
-              <a:schemeClr val="phClr">
-                <a:lumMod val="105000"/>
-                <a:satMod val="103000"/>
-                <a:tint val="73000"/>
-              </a:schemeClr>
-            </a:gs>
-            <a:gs pos="100000">
-              <a:schemeClr val="phClr">
-                <a:lumMod val="105000"/>
-                <a:satMod val="109000"/>
-                <a:tint val="81000"/>
-              </a:schemeClr>
-            </a:gs>
-          </a:gsLst>
-          <a:lin ang="5400000" scaled="0"/>
-        </a:gradFill>
-        <a:gradFill rotWithShape="1">
-          <a:gsLst>
-            <a:gs pos="0">
-              <a:schemeClr val="phClr">
-                <a:satMod val="103000"/>
-                <a:lumMod val="102000"/>
-                <a:tint val="94000"/>
-              </a:schemeClr>
-            </a:gs>
-            <a:gs pos="50000">
-              <a:schemeClr val="phClr">
-                <a:satMod val="110000"/>
-                <a:lumMod val="100000"/>
-                <a:shade val="100000"/>
-              </a:schemeClr>
-            </a:gs>
-            <a:gs pos="100000">
-              <a:schemeClr val="phClr">
-                <a:lumMod val="99000"/>
-                <a:satMod val="120000"/>
-                <a:shade val="78000"/>
-              </a:schemeClr>
-            </a:gs>
-          </a:gsLst>
-          <a:lin ang="5400000" scaled="0"/>
-        </a:gradFill>
-      </a:fillStyleLst>
-      <a:lnStyleLst>
-        <a:ln w="6350" cap="flat" cmpd="sng" algn="ctr">
-          <a:solidFill>
-            <a:schemeClr val="phClr"/>
-          </a:solidFill>
-          <a:prstDash val="solid"/>
-          <a:miter lim="800000"/>
-        </a:ln>
-        <a:ln w="12700" cap="flat" cmpd="sng" algn="ctr">
-          <a:solidFill>
-            <a:schemeClr val="phClr"/>
-          </a:solidFill>
-          <a:prstDash val="solid"/>
-          <a:miter lim="800000"/>
-        </a:ln>
-        <a:ln w="19050" cap="flat" cmpd="sng" algn="ctr">
-          <a:solidFill>
-            <a:schemeClr val="phClr"/>
-          </a:solidFill>
-          <a:prstDash val="solid"/>
-          <a:miter lim="800000"/>
-        </a:ln>
-      </a:lnStyleLst>
-      <a:effectStyleLst>
-        <a:effectStyle>
-          <a:effectLst/>
-        </a:effectStyle>
-        <a:effectStyle>
-          <a:effectLst/>
-        </a:effectStyle>
-        <a:effectStyle>
-          <a:effectLst>
-            <a:outerShdw blurRad="57150" dist="19050" dir="5400000" algn="ctr" rotWithShape="0">
-              <a:srgbClr val="000000">
-                <a:alpha val="63000"/>
-              </a:srgbClr>
-            </a:outerShdw>
-          </a:effectLst>
-        </a:effectStyle>
-      </a:effectStyleLst>
-      <a:bgFillStyleLst>
-        <a:solidFill>
-          <a:schemeClr val="phClr"/>
-        </a:solidFill>
-        <a:solidFill>
-          <a:schemeClr val="phClr">
-            <a:tint val="95000"/>
-            <a:satMod val="170000"/>
-          </a:schemeClr>
-        </a:solidFill>
-        <a:gradFill rotWithShape="1">
-          <a:gsLst>
-            <a:gs pos="0">
-              <a:schemeClr val="phClr">
-                <a:tint val="93000"/>
-                <a:satMod val="150000"/>
-                <a:shade val="98000"/>
-                <a:lumMod val="102000"/>
-              </a:schemeClr>
-            </a:gs>
-            <a:gs pos="50000">
-              <a:schemeClr val="phClr">
-                <a:tint val="98000"/>
-                <a:satMod val="130000"/>
-                <a:shade val="90000"/>
-                <a:lumMod val="103000"/>
-              </a:schemeClr>
-            </a:gs>
-            <a:gs pos="100000">
-              <a:schemeClr val="phClr">
-                <a:shade val="63000"/>
-                <a:satMod val="120000"/>
-              </a:schemeClr>
-            </a:gs>
-          </a:gsLst>
-          <a:lin ang="5400000" scaled="0"/>
-        </a:gradFill>
-      </a:bgFillStyleLst>
-    </a:fmtScheme>
-  </a:themeElements>
-  <a:objectDefaults/>
-  <a:extraClrSchemeLst/>
-  <a:extLst>
-    <a:ext uri="{05A4C25C-085E-4340-85A3-A5531E510DB2}">
-      <thm15:themeFamily xmlns:thm15="http://schemas.microsoft.com/office/thememl/2012/main" name="Office Theme" id="{62F939B6-93AF-4DB8-9C6B-D6C7DFDC589F}" vid="{4A3C46E8-61CC-4603-A589-7422A47A8E4A}"/>
+      <thm15:themeFamily xmlns:thm15="http://schemas.microsoft.com/office/thememl/2012/main" name="Office Theme" id="{2E142A2C-CD16-42D6-873A-C26D2A0506FA}" vid="{1BDDFF52-6CD6-40A5-AB3C-68EB2F1E4D0A}"/>
     </a:ext>
   </a:extLst>
 </a:theme>
